--- a/P2-5_Milestone1.pptx
+++ b/P2-5_Milestone1.pptx
@@ -852,7 +852,7 @@
   <p:cSld>
     <p:spTree>
       <p:nvGrpSpPr>
-        <p:cNvPr id="108" name="Shape 108"/>
+        <p:cNvPr id="109" name="Shape 109"/>
         <p:cNvGrpSpPr/>
         <p:nvPr/>
       </p:nvGrpSpPr>
@@ -866,7 +866,7 @@
       </p:grpSpPr>
       <p:sp>
         <p:nvSpPr>
-          <p:cNvPr id="109" name="Google Shape;109;g135c38da464_4_270:notes"/>
+          <p:cNvPr id="110" name="Google Shape;110;g135c38da464_4_270:notes"/>
           <p:cNvSpPr/>
           <p:nvPr>
             <p:ph idx="2" type="sldImg"/>
@@ -901,7 +901,7 @@
       </p:sp>
       <p:sp>
         <p:nvSpPr>
-          <p:cNvPr id="110" name="Google Shape;110;g135c38da464_4_270:notes"/>
+          <p:cNvPr id="111" name="Google Shape;111;g135c38da464_4_270:notes"/>
           <p:cNvSpPr txBox="1"/>
           <p:nvPr>
             <p:ph idx="1" type="body"/>
@@ -976,7 +976,7 @@
   <p:cSld>
     <p:spTree>
       <p:nvGrpSpPr>
-        <p:cNvPr id="114" name="Shape 114"/>
+        <p:cNvPr id="115" name="Shape 115"/>
         <p:cNvGrpSpPr/>
         <p:nvPr/>
       </p:nvGrpSpPr>
@@ -990,7 +990,7 @@
       </p:grpSpPr>
       <p:sp>
         <p:nvSpPr>
-          <p:cNvPr id="115" name="Google Shape;115;g135c38da464_4_275:notes"/>
+          <p:cNvPr id="116" name="Google Shape;116;g135c38da464_4_275:notes"/>
           <p:cNvSpPr/>
           <p:nvPr>
             <p:ph idx="2" type="sldImg"/>
@@ -1025,7 +1025,7 @@
       </p:sp>
       <p:sp>
         <p:nvSpPr>
-          <p:cNvPr id="116" name="Google Shape;116;g135c38da464_4_275:notes"/>
+          <p:cNvPr id="117" name="Google Shape;117;g135c38da464_4_275:notes"/>
           <p:cNvSpPr txBox="1"/>
           <p:nvPr>
             <p:ph idx="1" type="body"/>
@@ -1075,7 +1075,7 @@
   <p:cSld>
     <p:spTree>
       <p:nvGrpSpPr>
-        <p:cNvPr id="120" name="Shape 120"/>
+        <p:cNvPr id="121" name="Shape 121"/>
         <p:cNvGrpSpPr/>
         <p:nvPr/>
       </p:nvGrpSpPr>
@@ -1089,7 +1089,7 @@
       </p:grpSpPr>
       <p:sp>
         <p:nvSpPr>
-          <p:cNvPr id="121" name="Google Shape;121;g135c38da464_4_280:notes"/>
+          <p:cNvPr id="122" name="Google Shape;122;g135c38da464_4_280:notes"/>
           <p:cNvSpPr/>
           <p:nvPr>
             <p:ph idx="2" type="sldImg"/>
@@ -1124,7 +1124,7 @@
       </p:sp>
       <p:sp>
         <p:nvSpPr>
-          <p:cNvPr id="122" name="Google Shape;122;g135c38da464_4_280:notes"/>
+          <p:cNvPr id="123" name="Google Shape;123;g135c38da464_4_280:notes"/>
           <p:cNvSpPr txBox="1"/>
           <p:nvPr>
             <p:ph idx="1" type="body"/>
@@ -1174,7 +1174,7 @@
   <p:cSld>
     <p:spTree>
       <p:nvGrpSpPr>
-        <p:cNvPr id="126" name="Shape 126"/>
+        <p:cNvPr id="127" name="Shape 127"/>
         <p:cNvGrpSpPr/>
         <p:nvPr/>
       </p:nvGrpSpPr>
@@ -1188,7 +1188,7 @@
       </p:grpSpPr>
       <p:sp>
         <p:nvSpPr>
-          <p:cNvPr id="127" name="Google Shape;127;g135c38da464_9_1:notes"/>
+          <p:cNvPr id="128" name="Google Shape;128;g135c38da464_9_1:notes"/>
           <p:cNvSpPr/>
           <p:nvPr>
             <p:ph idx="2" type="sldImg"/>
@@ -1223,7 +1223,7 @@
       </p:sp>
       <p:sp>
         <p:nvSpPr>
-          <p:cNvPr id="128" name="Google Shape;128;g135c38da464_9_1:notes"/>
+          <p:cNvPr id="129" name="Google Shape;129;g135c38da464_9_1:notes"/>
           <p:cNvSpPr txBox="1"/>
           <p:nvPr>
             <p:ph idx="1" type="body"/>
@@ -1273,7 +1273,7 @@
   <p:cSld>
     <p:spTree>
       <p:nvGrpSpPr>
-        <p:cNvPr id="132" name="Shape 132"/>
+        <p:cNvPr id="133" name="Shape 133"/>
         <p:cNvGrpSpPr/>
         <p:nvPr/>
       </p:nvGrpSpPr>
@@ -1287,7 +1287,7 @@
       </p:grpSpPr>
       <p:sp>
         <p:nvSpPr>
-          <p:cNvPr id="133" name="Google Shape;133;g135c38da464_4_285:notes"/>
+          <p:cNvPr id="134" name="Google Shape;134;g135c38da464_4_285:notes"/>
           <p:cNvSpPr/>
           <p:nvPr>
             <p:ph idx="2" type="sldImg"/>
@@ -1322,7 +1322,7 @@
       </p:sp>
       <p:sp>
         <p:nvSpPr>
-          <p:cNvPr id="134" name="Google Shape;134;g135c38da464_4_285:notes"/>
+          <p:cNvPr id="135" name="Google Shape;135;g135c38da464_4_285:notes"/>
           <p:cNvSpPr txBox="1"/>
           <p:nvPr>
             <p:ph idx="1" type="body"/>
@@ -1372,7 +1372,7 @@
   <p:cSld>
     <p:spTree>
       <p:nvGrpSpPr>
-        <p:cNvPr id="138" name="Shape 138"/>
+        <p:cNvPr id="139" name="Shape 139"/>
         <p:cNvGrpSpPr/>
         <p:nvPr/>
       </p:nvGrpSpPr>
@@ -1386,7 +1386,7 @@
       </p:grpSpPr>
       <p:sp>
         <p:nvSpPr>
-          <p:cNvPr id="139" name="Google Shape;139;g135c38da464_4_290:notes"/>
+          <p:cNvPr id="140" name="Google Shape;140;g135c38da464_4_290:notes"/>
           <p:cNvSpPr/>
           <p:nvPr>
             <p:ph idx="2" type="sldImg"/>
@@ -1421,7 +1421,7 @@
       </p:sp>
       <p:sp>
         <p:nvSpPr>
-          <p:cNvPr id="140" name="Google Shape;140;g135c38da464_4_290:notes"/>
+          <p:cNvPr id="141" name="Google Shape;141;g135c38da464_4_290:notes"/>
           <p:cNvSpPr txBox="1"/>
           <p:nvPr>
             <p:ph idx="1" type="body"/>
@@ -1471,7 +1471,7 @@
   <p:cSld>
     <p:spTree>
       <p:nvGrpSpPr>
-        <p:cNvPr id="144" name="Shape 144"/>
+        <p:cNvPr id="145" name="Shape 145"/>
         <p:cNvGrpSpPr/>
         <p:nvPr/>
       </p:nvGrpSpPr>
@@ -1485,7 +1485,7 @@
       </p:grpSpPr>
       <p:sp>
         <p:nvSpPr>
-          <p:cNvPr id="145" name="Google Shape;145;g135c38da464_4_300:notes"/>
+          <p:cNvPr id="146" name="Google Shape;146;g135c38da464_4_300:notes"/>
           <p:cNvSpPr/>
           <p:nvPr>
             <p:ph idx="2" type="sldImg"/>
@@ -1520,7 +1520,7 @@
       </p:sp>
       <p:sp>
         <p:nvSpPr>
-          <p:cNvPr id="146" name="Google Shape;146;g135c38da464_4_300:notes"/>
+          <p:cNvPr id="147" name="Google Shape;147;g135c38da464_4_300:notes"/>
           <p:cNvSpPr txBox="1"/>
           <p:nvPr>
             <p:ph idx="1" type="body"/>
@@ -1570,7 +1570,7 @@
   <p:cSld>
     <p:spTree>
       <p:nvGrpSpPr>
-        <p:cNvPr id="150" name="Shape 150"/>
+        <p:cNvPr id="151" name="Shape 151"/>
         <p:cNvGrpSpPr/>
         <p:nvPr/>
       </p:nvGrpSpPr>
@@ -1584,7 +1584,7 @@
       </p:grpSpPr>
       <p:sp>
         <p:nvSpPr>
-          <p:cNvPr id="151" name="Google Shape;151;g135c38da464_4_305:notes"/>
+          <p:cNvPr id="152" name="Google Shape;152;g135c38da464_4_305:notes"/>
           <p:cNvSpPr/>
           <p:nvPr>
             <p:ph idx="2" type="sldImg"/>
@@ -1619,7 +1619,7 @@
       </p:sp>
       <p:sp>
         <p:nvSpPr>
-          <p:cNvPr id="152" name="Google Shape;152;g135c38da464_4_305:notes"/>
+          <p:cNvPr id="153" name="Google Shape;153;g135c38da464_4_305:notes"/>
           <p:cNvSpPr txBox="1"/>
           <p:nvPr>
             <p:ph idx="1" type="body"/>
@@ -1669,7 +1669,7 @@
   <p:cSld>
     <p:spTree>
       <p:nvGrpSpPr>
-        <p:cNvPr id="156" name="Shape 156"/>
+        <p:cNvPr id="157" name="Shape 157"/>
         <p:cNvGrpSpPr/>
         <p:nvPr/>
       </p:nvGrpSpPr>
@@ -1683,7 +1683,7 @@
       </p:grpSpPr>
       <p:sp>
         <p:nvSpPr>
-          <p:cNvPr id="157" name="Google Shape;157;g135c38da464_5_1:notes"/>
+          <p:cNvPr id="158" name="Google Shape;158;g135c38da464_5_1:notes"/>
           <p:cNvSpPr/>
           <p:nvPr>
             <p:ph idx="2" type="sldImg"/>
@@ -1718,7 +1718,7 @@
       </p:sp>
       <p:sp>
         <p:nvSpPr>
-          <p:cNvPr id="158" name="Google Shape;158;g135c38da464_5_1:notes"/>
+          <p:cNvPr id="159" name="Google Shape;159;g135c38da464_5_1:notes"/>
           <p:cNvSpPr txBox="1"/>
           <p:nvPr>
             <p:ph idx="1" type="body"/>
@@ -1768,7 +1768,7 @@
   <p:cSld>
     <p:spTree>
       <p:nvGrpSpPr>
-        <p:cNvPr id="161" name="Shape 161"/>
+        <p:cNvPr id="162" name="Shape 162"/>
         <p:cNvGrpSpPr/>
         <p:nvPr/>
       </p:nvGrpSpPr>
@@ -1782,7 +1782,7 @@
       </p:grpSpPr>
       <p:sp>
         <p:nvSpPr>
-          <p:cNvPr id="162" name="Google Shape;162;g135c38da464_4_310:notes"/>
+          <p:cNvPr id="163" name="Google Shape;163;g135c38da464_4_310:notes"/>
           <p:cNvSpPr/>
           <p:nvPr>
             <p:ph idx="2" type="sldImg"/>
@@ -1817,7 +1817,7 @@
       </p:sp>
       <p:sp>
         <p:nvSpPr>
-          <p:cNvPr id="163" name="Google Shape;163;g135c38da464_4_310:notes"/>
+          <p:cNvPr id="164" name="Google Shape;164;g135c38da464_4_310:notes"/>
           <p:cNvSpPr txBox="1"/>
           <p:nvPr>
             <p:ph idx="1" type="body"/>
@@ -1966,7 +1966,7 @@
   <p:cSld>
     <p:spTree>
       <p:nvGrpSpPr>
-        <p:cNvPr id="167" name="Shape 167"/>
+        <p:cNvPr id="168" name="Shape 168"/>
         <p:cNvGrpSpPr/>
         <p:nvPr/>
       </p:nvGrpSpPr>
@@ -1980,7 +1980,7 @@
       </p:grpSpPr>
       <p:sp>
         <p:nvSpPr>
-          <p:cNvPr id="168" name="Google Shape;168;g135c38da464_5_16:notes"/>
+          <p:cNvPr id="169" name="Google Shape;169;g135c38da464_5_16:notes"/>
           <p:cNvSpPr/>
           <p:nvPr>
             <p:ph idx="2" type="sldImg"/>
@@ -2015,7 +2015,7 @@
       </p:sp>
       <p:sp>
         <p:nvSpPr>
-          <p:cNvPr id="169" name="Google Shape;169;g135c38da464_5_16:notes"/>
+          <p:cNvPr id="170" name="Google Shape;170;g135c38da464_5_16:notes"/>
           <p:cNvSpPr txBox="1"/>
           <p:nvPr>
             <p:ph idx="1" type="body"/>
@@ -2065,7 +2065,7 @@
   <p:cSld>
     <p:spTree>
       <p:nvGrpSpPr>
-        <p:cNvPr id="172" name="Shape 172"/>
+        <p:cNvPr id="173" name="Shape 173"/>
         <p:cNvGrpSpPr/>
         <p:nvPr/>
       </p:nvGrpSpPr>
@@ -2079,7 +2079,7 @@
       </p:grpSpPr>
       <p:sp>
         <p:nvSpPr>
-          <p:cNvPr id="173" name="Google Shape;173;g135c38da464_4_315:notes"/>
+          <p:cNvPr id="174" name="Google Shape;174;g135c38da464_4_315:notes"/>
           <p:cNvSpPr/>
           <p:nvPr>
             <p:ph idx="2" type="sldImg"/>
@@ -2114,7 +2114,7 @@
       </p:sp>
       <p:sp>
         <p:nvSpPr>
-          <p:cNvPr id="174" name="Google Shape;174;g135c38da464_4_315:notes"/>
+          <p:cNvPr id="175" name="Google Shape;175;g135c38da464_4_315:notes"/>
           <p:cNvSpPr txBox="1"/>
           <p:nvPr>
             <p:ph idx="1" type="body"/>
@@ -2164,7 +2164,7 @@
   <p:cSld>
     <p:spTree>
       <p:nvGrpSpPr>
-        <p:cNvPr id="178" name="Shape 178"/>
+        <p:cNvPr id="179" name="Shape 179"/>
         <p:cNvGrpSpPr/>
         <p:nvPr/>
       </p:nvGrpSpPr>
@@ -2178,7 +2178,7 @@
       </p:grpSpPr>
       <p:sp>
         <p:nvSpPr>
-          <p:cNvPr id="179" name="Google Shape;179;g135c38da464_4_320:notes"/>
+          <p:cNvPr id="180" name="Google Shape;180;g135c38da464_4_320:notes"/>
           <p:cNvSpPr/>
           <p:nvPr>
             <p:ph idx="2" type="sldImg"/>
@@ -2213,7 +2213,7 @@
       </p:sp>
       <p:sp>
         <p:nvSpPr>
-          <p:cNvPr id="180" name="Google Shape;180;g135c38da464_4_320:notes"/>
+          <p:cNvPr id="181" name="Google Shape;181;g135c38da464_4_320:notes"/>
           <p:cNvSpPr txBox="1"/>
           <p:nvPr>
             <p:ph idx="1" type="body"/>
@@ -2263,7 +2263,7 @@
   <p:cSld>
     <p:spTree>
       <p:nvGrpSpPr>
-        <p:cNvPr id="184" name="Shape 184"/>
+        <p:cNvPr id="185" name="Shape 185"/>
         <p:cNvGrpSpPr/>
         <p:nvPr/>
       </p:nvGrpSpPr>
@@ -2277,7 +2277,7 @@
       </p:grpSpPr>
       <p:sp>
         <p:nvSpPr>
-          <p:cNvPr id="185" name="Google Shape;185;g135c38da464_4_383:notes"/>
+          <p:cNvPr id="186" name="Google Shape;186;g135c38da464_4_383:notes"/>
           <p:cNvSpPr/>
           <p:nvPr>
             <p:ph idx="2" type="sldImg"/>
@@ -2312,7 +2312,7 @@
       </p:sp>
       <p:sp>
         <p:nvSpPr>
-          <p:cNvPr id="186" name="Google Shape;186;g135c38da464_4_383:notes"/>
+          <p:cNvPr id="187" name="Google Shape;187;g135c38da464_4_383:notes"/>
           <p:cNvSpPr txBox="1"/>
           <p:nvPr>
             <p:ph idx="1" type="body"/>
@@ -2362,7 +2362,7 @@
   <p:cSld>
     <p:spTree>
       <p:nvGrpSpPr>
-        <p:cNvPr id="190" name="Shape 190"/>
+        <p:cNvPr id="191" name="Shape 191"/>
         <p:cNvGrpSpPr/>
         <p:nvPr/>
       </p:nvGrpSpPr>
@@ -2376,7 +2376,7 @@
       </p:grpSpPr>
       <p:sp>
         <p:nvSpPr>
-          <p:cNvPr id="191" name="Google Shape;191;g135c38da464_5_25:notes"/>
+          <p:cNvPr id="192" name="Google Shape;192;g135c38da464_5_25:notes"/>
           <p:cNvSpPr/>
           <p:nvPr>
             <p:ph idx="2" type="sldImg"/>
@@ -2411,7 +2411,7 @@
       </p:sp>
       <p:sp>
         <p:nvSpPr>
-          <p:cNvPr id="192" name="Google Shape;192;g135c38da464_5_25:notes"/>
+          <p:cNvPr id="193" name="Google Shape;193;g135c38da464_5_25:notes"/>
           <p:cNvSpPr txBox="1"/>
           <p:nvPr>
             <p:ph idx="1" type="body"/>
@@ -2461,7 +2461,7 @@
   <p:cSld>
     <p:spTree>
       <p:nvGrpSpPr>
-        <p:cNvPr id="199" name="Shape 199"/>
+        <p:cNvPr id="200" name="Shape 200"/>
         <p:cNvGrpSpPr/>
         <p:nvPr/>
       </p:nvGrpSpPr>
@@ -2475,7 +2475,7 @@
       </p:grpSpPr>
       <p:sp>
         <p:nvSpPr>
-          <p:cNvPr id="200" name="Google Shape;200;gf44fe0d8fd_0_0:notes"/>
+          <p:cNvPr id="201" name="Google Shape;201;gf44fe0d8fd_0_0:notes"/>
           <p:cNvSpPr/>
           <p:nvPr>
             <p:ph idx="2" type="sldImg"/>
@@ -2510,7 +2510,7 @@
       </p:sp>
       <p:sp>
         <p:nvSpPr>
-          <p:cNvPr id="201" name="Google Shape;201;gf44fe0d8fd_0_0:notes"/>
+          <p:cNvPr id="202" name="Google Shape;202;gf44fe0d8fd_0_0:notes"/>
           <p:cNvSpPr txBox="1"/>
           <p:nvPr>
             <p:ph idx="1" type="body"/>
@@ -2560,7 +2560,7 @@
   <p:cSld>
     <p:spTree>
       <p:nvGrpSpPr>
-        <p:cNvPr id="205" name="Shape 205"/>
+        <p:cNvPr id="206" name="Shape 206"/>
         <p:cNvGrpSpPr/>
         <p:nvPr/>
       </p:nvGrpSpPr>
@@ -2574,7 +2574,7 @@
       </p:grpSpPr>
       <p:sp>
         <p:nvSpPr>
-          <p:cNvPr id="206" name="Google Shape;206;gf44fe0d8fd_0_12:notes"/>
+          <p:cNvPr id="207" name="Google Shape;207;gf44fe0d8fd_0_12:notes"/>
           <p:cNvSpPr/>
           <p:nvPr>
             <p:ph idx="2" type="sldImg"/>
@@ -2609,7 +2609,7 @@
       </p:sp>
       <p:sp>
         <p:nvSpPr>
-          <p:cNvPr id="207" name="Google Shape;207;gf44fe0d8fd_0_12:notes"/>
+          <p:cNvPr id="208" name="Google Shape;208;gf44fe0d8fd_0_12:notes"/>
           <p:cNvSpPr txBox="1"/>
           <p:nvPr>
             <p:ph idx="1" type="body"/>
@@ -2659,7 +2659,7 @@
   <p:cSld>
     <p:spTree>
       <p:nvGrpSpPr>
-        <p:cNvPr id="212" name="Shape 212"/>
+        <p:cNvPr id="213" name="Shape 213"/>
         <p:cNvGrpSpPr/>
         <p:nvPr/>
       </p:nvGrpSpPr>
@@ -2673,7 +2673,7 @@
       </p:grpSpPr>
       <p:sp>
         <p:nvSpPr>
-          <p:cNvPr id="213" name="Google Shape;213;g135c38da464_4_389:notes"/>
+          <p:cNvPr id="214" name="Google Shape;214;g135c38da464_4_389:notes"/>
           <p:cNvSpPr/>
           <p:nvPr>
             <p:ph idx="2" type="sldImg"/>
@@ -2708,7 +2708,7 @@
       </p:sp>
       <p:sp>
         <p:nvSpPr>
-          <p:cNvPr id="214" name="Google Shape;214;g135c38da464_4_389:notes"/>
+          <p:cNvPr id="215" name="Google Shape;215;g135c38da464_4_389:notes"/>
           <p:cNvSpPr txBox="1"/>
           <p:nvPr>
             <p:ph idx="1" type="body"/>
@@ -2758,7 +2758,7 @@
   <p:cSld>
     <p:spTree>
       <p:nvGrpSpPr>
-        <p:cNvPr id="218" name="Shape 218"/>
+        <p:cNvPr id="219" name="Shape 219"/>
         <p:cNvGrpSpPr/>
         <p:nvPr/>
       </p:nvGrpSpPr>
@@ -2772,7 +2772,7 @@
       </p:grpSpPr>
       <p:sp>
         <p:nvSpPr>
-          <p:cNvPr id="219" name="Google Shape;219;g135c38da464_9_6:notes"/>
+          <p:cNvPr id="220" name="Google Shape;220;g135c38da464_9_6:notes"/>
           <p:cNvSpPr/>
           <p:nvPr>
             <p:ph idx="2" type="sldImg"/>
@@ -2807,7 +2807,7 @@
       </p:sp>
       <p:sp>
         <p:nvSpPr>
-          <p:cNvPr id="220" name="Google Shape;220;g135c38da464_9_6:notes"/>
+          <p:cNvPr id="221" name="Google Shape;221;g135c38da464_9_6:notes"/>
           <p:cNvSpPr txBox="1"/>
           <p:nvPr>
             <p:ph idx="1" type="body"/>
@@ -2857,7 +2857,7 @@
   <p:cSld>
     <p:spTree>
       <p:nvGrpSpPr>
-        <p:cNvPr id="224" name="Shape 224"/>
+        <p:cNvPr id="225" name="Shape 225"/>
         <p:cNvGrpSpPr/>
         <p:nvPr/>
       </p:nvGrpSpPr>
@@ -2871,7 +2871,7 @@
       </p:grpSpPr>
       <p:sp>
         <p:nvSpPr>
-          <p:cNvPr id="225" name="Google Shape;225;g135c38da464_4_80:notes"/>
+          <p:cNvPr id="226" name="Google Shape;226;g135c38da464_4_80:notes"/>
           <p:cNvSpPr/>
           <p:nvPr>
             <p:ph idx="2" type="sldImg"/>
@@ -2906,7 +2906,7 @@
       </p:sp>
       <p:sp>
         <p:nvSpPr>
-          <p:cNvPr id="226" name="Google Shape;226;g135c38da464_4_80:notes"/>
+          <p:cNvPr id="227" name="Google Shape;227;g135c38da464_4_80:notes"/>
           <p:cNvSpPr txBox="1"/>
           <p:nvPr>
             <p:ph idx="1" type="body"/>
@@ -3055,7 +3055,7 @@
   <p:cSld>
     <p:spTree>
       <p:nvGrpSpPr>
-        <p:cNvPr id="230" name="Shape 230"/>
+        <p:cNvPr id="231" name="Shape 231"/>
         <p:cNvGrpSpPr/>
         <p:nvPr/>
       </p:nvGrpSpPr>
@@ -3069,7 +3069,7 @@
       </p:grpSpPr>
       <p:sp>
         <p:nvSpPr>
-          <p:cNvPr id="231" name="Google Shape;231;g135c38da464_12_0:notes"/>
+          <p:cNvPr id="232" name="Google Shape;232;g135c38da464_12_0:notes"/>
           <p:cNvSpPr/>
           <p:nvPr>
             <p:ph idx="2" type="sldImg"/>
@@ -3104,7 +3104,7 @@
       </p:sp>
       <p:sp>
         <p:nvSpPr>
-          <p:cNvPr id="232" name="Google Shape;232;g135c38da464_12_0:notes"/>
+          <p:cNvPr id="233" name="Google Shape;233;g135c38da464_12_0:notes"/>
           <p:cNvSpPr txBox="1"/>
           <p:nvPr>
             <p:ph idx="1" type="body"/>
@@ -3154,7 +3154,7 @@
   <p:cSld>
     <p:spTree>
       <p:nvGrpSpPr>
-        <p:cNvPr id="235" name="Shape 235"/>
+        <p:cNvPr id="236" name="Shape 236"/>
         <p:cNvGrpSpPr/>
         <p:nvPr/>
       </p:nvGrpSpPr>
@@ -3168,7 +3168,7 @@
       </p:grpSpPr>
       <p:sp>
         <p:nvSpPr>
-          <p:cNvPr id="236" name="Google Shape;236;g135c38da464_4_325:notes"/>
+          <p:cNvPr id="237" name="Google Shape;237;g135c38da464_4_325:notes"/>
           <p:cNvSpPr/>
           <p:nvPr>
             <p:ph idx="2" type="sldImg"/>
@@ -3203,7 +3203,7 @@
       </p:sp>
       <p:sp>
         <p:nvSpPr>
-          <p:cNvPr id="237" name="Google Shape;237;g135c38da464_4_325:notes"/>
+          <p:cNvPr id="238" name="Google Shape;238;g135c38da464_4_325:notes"/>
           <p:cNvSpPr txBox="1"/>
           <p:nvPr>
             <p:ph idx="1" type="body"/>
@@ -3253,7 +3253,7 @@
   <p:cSld>
     <p:spTree>
       <p:nvGrpSpPr>
-        <p:cNvPr id="241" name="Shape 241"/>
+        <p:cNvPr id="242" name="Shape 242"/>
         <p:cNvGrpSpPr/>
         <p:nvPr/>
       </p:nvGrpSpPr>
@@ -3267,7 +3267,7 @@
       </p:grpSpPr>
       <p:sp>
         <p:nvSpPr>
-          <p:cNvPr id="242" name="Google Shape;242;g135c38da464_4_330:notes"/>
+          <p:cNvPr id="243" name="Google Shape;243;g135c38da464_4_330:notes"/>
           <p:cNvSpPr/>
           <p:nvPr>
             <p:ph idx="2" type="sldImg"/>
@@ -3302,7 +3302,7 @@
       </p:sp>
       <p:sp>
         <p:nvSpPr>
-          <p:cNvPr id="243" name="Google Shape;243;g135c38da464_4_330:notes"/>
+          <p:cNvPr id="244" name="Google Shape;244;g135c38da464_4_330:notes"/>
           <p:cNvSpPr txBox="1"/>
           <p:nvPr>
             <p:ph idx="1" type="body"/>
@@ -3352,7 +3352,7 @@
   <p:cSld>
     <p:spTree>
       <p:nvGrpSpPr>
-        <p:cNvPr id="247" name="Shape 247"/>
+        <p:cNvPr id="248" name="Shape 248"/>
         <p:cNvGrpSpPr/>
         <p:nvPr/>
       </p:nvGrpSpPr>
@@ -3366,7 +3366,7 @@
       </p:grpSpPr>
       <p:sp>
         <p:nvSpPr>
-          <p:cNvPr id="248" name="Google Shape;248;g135c38da464_4_365:notes"/>
+          <p:cNvPr id="249" name="Google Shape;249;g135c38da464_4_365:notes"/>
           <p:cNvSpPr/>
           <p:nvPr>
             <p:ph idx="2" type="sldImg"/>
@@ -3401,7 +3401,7 @@
       </p:sp>
       <p:sp>
         <p:nvSpPr>
-          <p:cNvPr id="249" name="Google Shape;249;g135c38da464_4_365:notes"/>
+          <p:cNvPr id="250" name="Google Shape;250;g135c38da464_4_365:notes"/>
           <p:cNvSpPr txBox="1"/>
           <p:nvPr>
             <p:ph idx="1" type="body"/>
@@ -3487,7 +3487,7 @@
   <p:cSld>
     <p:spTree>
       <p:nvGrpSpPr>
-        <p:cNvPr id="254" name="Shape 254"/>
+        <p:cNvPr id="255" name="Shape 255"/>
         <p:cNvGrpSpPr/>
         <p:nvPr/>
       </p:nvGrpSpPr>
@@ -3501,7 +3501,7 @@
       </p:grpSpPr>
       <p:sp>
         <p:nvSpPr>
-          <p:cNvPr id="255" name="Google Shape;255;g135c38da464_4_335:notes"/>
+          <p:cNvPr id="256" name="Google Shape;256;g135c38da464_4_335:notes"/>
           <p:cNvSpPr/>
           <p:nvPr>
             <p:ph idx="2" type="sldImg"/>
@@ -3536,7 +3536,7 @@
       </p:sp>
       <p:sp>
         <p:nvSpPr>
-          <p:cNvPr id="256" name="Google Shape;256;g135c38da464_4_335:notes"/>
+          <p:cNvPr id="257" name="Google Shape;257;g135c38da464_4_335:notes"/>
           <p:cNvSpPr txBox="1"/>
           <p:nvPr>
             <p:ph idx="1" type="body"/>
@@ -3586,7 +3586,7 @@
   <p:cSld>
     <p:spTree>
       <p:nvGrpSpPr>
-        <p:cNvPr id="260" name="Shape 260"/>
+        <p:cNvPr id="261" name="Shape 261"/>
         <p:cNvGrpSpPr/>
         <p:nvPr/>
       </p:nvGrpSpPr>
@@ -3600,7 +3600,7 @@
       </p:grpSpPr>
       <p:sp>
         <p:nvSpPr>
-          <p:cNvPr id="261" name="Google Shape;261;g135c38da464_4_400:notes"/>
+          <p:cNvPr id="262" name="Google Shape;262;g135c38da464_4_400:notes"/>
           <p:cNvSpPr/>
           <p:nvPr>
             <p:ph idx="2" type="sldImg"/>
@@ -3635,7 +3635,7 @@
       </p:sp>
       <p:sp>
         <p:nvSpPr>
-          <p:cNvPr id="262" name="Google Shape;262;g135c38da464_4_400:notes"/>
+          <p:cNvPr id="263" name="Google Shape;263;g135c38da464_4_400:notes"/>
           <p:cNvSpPr txBox="1"/>
           <p:nvPr>
             <p:ph idx="1" type="body"/>
@@ -3704,7 +3704,7 @@
   <p:cSld>
     <p:spTree>
       <p:nvGrpSpPr>
-        <p:cNvPr id="265" name="Shape 265"/>
+        <p:cNvPr id="266" name="Shape 266"/>
         <p:cNvGrpSpPr/>
         <p:nvPr/>
       </p:nvGrpSpPr>
@@ -3718,7 +3718,7 @@
       </p:grpSpPr>
       <p:sp>
         <p:nvSpPr>
-          <p:cNvPr id="266" name="Google Shape;266;g135c38da464_4_340:notes"/>
+          <p:cNvPr id="267" name="Google Shape;267;g135c38da464_4_340:notes"/>
           <p:cNvSpPr/>
           <p:nvPr>
             <p:ph idx="2" type="sldImg"/>
@@ -3753,7 +3753,7 @@
       </p:sp>
       <p:sp>
         <p:nvSpPr>
-          <p:cNvPr id="267" name="Google Shape;267;g135c38da464_4_340:notes"/>
+          <p:cNvPr id="268" name="Google Shape;268;g135c38da464_4_340:notes"/>
           <p:cNvSpPr txBox="1"/>
           <p:nvPr>
             <p:ph idx="1" type="body"/>
@@ -3803,7 +3803,7 @@
   <p:cSld>
     <p:spTree>
       <p:nvGrpSpPr>
-        <p:cNvPr id="271" name="Shape 271"/>
+        <p:cNvPr id="272" name="Shape 272"/>
         <p:cNvGrpSpPr/>
         <p:nvPr/>
       </p:nvGrpSpPr>
@@ -3817,7 +3817,7 @@
       </p:grpSpPr>
       <p:sp>
         <p:nvSpPr>
-          <p:cNvPr id="272" name="Google Shape;272;g135c38da464_4_371:notes"/>
+          <p:cNvPr id="273" name="Google Shape;273;g135c38da464_4_371:notes"/>
           <p:cNvSpPr/>
           <p:nvPr>
             <p:ph idx="2" type="sldImg"/>
@@ -3852,7 +3852,7 @@
       </p:sp>
       <p:sp>
         <p:nvSpPr>
-          <p:cNvPr id="273" name="Google Shape;273;g135c38da464_4_371:notes"/>
+          <p:cNvPr id="274" name="Google Shape;274;g135c38da464_4_371:notes"/>
           <p:cNvSpPr txBox="1"/>
           <p:nvPr>
             <p:ph idx="1" type="body"/>
@@ -3904,7 +3904,7 @@
   <p:cSld>
     <p:spTree>
       <p:nvGrpSpPr>
-        <p:cNvPr id="278" name="Shape 278"/>
+        <p:cNvPr id="279" name="Shape 279"/>
         <p:cNvGrpSpPr/>
         <p:nvPr/>
       </p:nvGrpSpPr>
@@ -3918,7 +3918,7 @@
       </p:grpSpPr>
       <p:sp>
         <p:nvSpPr>
-          <p:cNvPr id="279" name="Google Shape;279;g135c38da464_2_40:notes"/>
+          <p:cNvPr id="280" name="Google Shape;280;g135c38da464_2_40:notes"/>
           <p:cNvSpPr/>
           <p:nvPr>
             <p:ph idx="2" type="sldImg"/>
@@ -3953,7 +3953,7 @@
       </p:sp>
       <p:sp>
         <p:nvSpPr>
-          <p:cNvPr id="280" name="Google Shape;280;g135c38da464_2_40:notes"/>
+          <p:cNvPr id="281" name="Google Shape;281;g135c38da464_2_40:notes"/>
           <p:cNvSpPr txBox="1"/>
           <p:nvPr>
             <p:ph idx="1" type="body"/>
@@ -4003,7 +4003,7 @@
   <p:cSld>
     <p:spTree>
       <p:nvGrpSpPr>
-        <p:cNvPr id="285" name="Shape 285"/>
+        <p:cNvPr id="286" name="Shape 286"/>
         <p:cNvGrpSpPr/>
         <p:nvPr/>
       </p:nvGrpSpPr>
@@ -4017,7 +4017,7 @@
       </p:grpSpPr>
       <p:sp>
         <p:nvSpPr>
-          <p:cNvPr id="286" name="Google Shape;286;g135c38da464_4_377:notes"/>
+          <p:cNvPr id="287" name="Google Shape;287;g135c38da464_4_377:notes"/>
           <p:cNvSpPr/>
           <p:nvPr>
             <p:ph idx="2" type="sldImg"/>
@@ -4052,7 +4052,7 @@
       </p:sp>
       <p:sp>
         <p:nvSpPr>
-          <p:cNvPr id="287" name="Google Shape;287;g135c38da464_4_377:notes"/>
+          <p:cNvPr id="288" name="Google Shape;288;g135c38da464_4_377:notes"/>
           <p:cNvSpPr txBox="1"/>
           <p:nvPr>
             <p:ph idx="1" type="body"/>
@@ -4201,7 +4201,7 @@
   <p:cSld>
     <p:spTree>
       <p:nvGrpSpPr>
-        <p:cNvPr id="292" name="Shape 292"/>
+        <p:cNvPr id="293" name="Shape 293"/>
         <p:cNvGrpSpPr/>
         <p:nvPr/>
       </p:nvGrpSpPr>
@@ -4215,7 +4215,7 @@
       </p:grpSpPr>
       <p:sp>
         <p:nvSpPr>
-          <p:cNvPr id="293" name="Google Shape;293;g135c38da464_9_20:notes"/>
+          <p:cNvPr id="294" name="Google Shape;294;g135c38da464_9_20:notes"/>
           <p:cNvSpPr/>
           <p:nvPr>
             <p:ph idx="2" type="sldImg"/>
@@ -4250,7 +4250,7 @@
       </p:sp>
       <p:sp>
         <p:nvSpPr>
-          <p:cNvPr id="294" name="Google Shape;294;g135c38da464_9_20:notes"/>
+          <p:cNvPr id="295" name="Google Shape;295;g135c38da464_9_20:notes"/>
           <p:cNvSpPr txBox="1"/>
           <p:nvPr>
             <p:ph idx="1" type="body"/>
@@ -4300,7 +4300,7 @@
   <p:cSld>
     <p:spTree>
       <p:nvGrpSpPr>
-        <p:cNvPr id="298" name="Shape 298"/>
+        <p:cNvPr id="299" name="Shape 299"/>
         <p:cNvGrpSpPr/>
         <p:nvPr/>
       </p:nvGrpSpPr>
@@ -4314,7 +4314,7 @@
       </p:grpSpPr>
       <p:sp>
         <p:nvSpPr>
-          <p:cNvPr id="299" name="Google Shape;299;g135c38da464_4_345:notes"/>
+          <p:cNvPr id="300" name="Google Shape;300;g135c38da464_4_345:notes"/>
           <p:cNvSpPr/>
           <p:nvPr>
             <p:ph idx="2" type="sldImg"/>
@@ -4349,7 +4349,7 @@
       </p:sp>
       <p:sp>
         <p:nvSpPr>
-          <p:cNvPr id="300" name="Google Shape;300;g135c38da464_4_345:notes"/>
+          <p:cNvPr id="301" name="Google Shape;301;g135c38da464_4_345:notes"/>
           <p:cNvSpPr txBox="1"/>
           <p:nvPr>
             <p:ph idx="1" type="body"/>
@@ -4399,7 +4399,7 @@
   <p:cSld>
     <p:spTree>
       <p:nvGrpSpPr>
-        <p:cNvPr id="304" name="Shape 304"/>
+        <p:cNvPr id="305" name="Shape 305"/>
         <p:cNvGrpSpPr/>
         <p:nvPr/>
       </p:nvGrpSpPr>
@@ -4413,7 +4413,7 @@
       </p:grpSpPr>
       <p:sp>
         <p:nvSpPr>
-          <p:cNvPr id="305" name="Google Shape;305;g135c38da464_4_350:notes"/>
+          <p:cNvPr id="306" name="Google Shape;306;g135c38da464_4_350:notes"/>
           <p:cNvSpPr/>
           <p:nvPr>
             <p:ph idx="2" type="sldImg"/>
@@ -4448,7 +4448,7 @@
       </p:sp>
       <p:sp>
         <p:nvSpPr>
-          <p:cNvPr id="306" name="Google Shape;306;g135c38da464_4_350:notes"/>
+          <p:cNvPr id="307" name="Google Shape;307;g135c38da464_4_350:notes"/>
           <p:cNvSpPr txBox="1"/>
           <p:nvPr>
             <p:ph idx="1" type="body"/>
@@ -4498,7 +4498,7 @@
   <p:cSld>
     <p:spTree>
       <p:nvGrpSpPr>
-        <p:cNvPr id="310" name="Shape 310"/>
+        <p:cNvPr id="311" name="Shape 311"/>
         <p:cNvGrpSpPr/>
         <p:nvPr/>
       </p:nvGrpSpPr>
@@ -4512,7 +4512,7 @@
       </p:grpSpPr>
       <p:sp>
         <p:nvSpPr>
-          <p:cNvPr id="311" name="Google Shape;311;g135c38da464_4_355:notes"/>
+          <p:cNvPr id="312" name="Google Shape;312;g135c38da464_4_355:notes"/>
           <p:cNvSpPr/>
           <p:nvPr>
             <p:ph idx="2" type="sldImg"/>
@@ -4547,7 +4547,7 @@
       </p:sp>
       <p:sp>
         <p:nvSpPr>
-          <p:cNvPr id="312" name="Google Shape;312;g135c38da464_4_355:notes"/>
+          <p:cNvPr id="313" name="Google Shape;313;g135c38da464_4_355:notes"/>
           <p:cNvSpPr txBox="1"/>
           <p:nvPr>
             <p:ph idx="1" type="body"/>
@@ -4597,7 +4597,7 @@
   <p:cSld>
     <p:spTree>
       <p:nvGrpSpPr>
-        <p:cNvPr id="316" name="Shape 316"/>
+        <p:cNvPr id="317" name="Shape 317"/>
         <p:cNvGrpSpPr/>
         <p:nvPr/>
       </p:nvGrpSpPr>
@@ -4611,7 +4611,7 @@
       </p:grpSpPr>
       <p:sp>
         <p:nvSpPr>
-          <p:cNvPr id="317" name="Google Shape;317;g135c38da464_4_360:notes"/>
+          <p:cNvPr id="318" name="Google Shape;318;g135c38da464_4_360:notes"/>
           <p:cNvSpPr/>
           <p:nvPr>
             <p:ph idx="2" type="sldImg"/>
@@ -4646,7 +4646,7 @@
       </p:sp>
       <p:sp>
         <p:nvSpPr>
-          <p:cNvPr id="318" name="Google Shape;318;g135c38da464_4_360:notes"/>
+          <p:cNvPr id="319" name="Google Shape;319;g135c38da464_4_360:notes"/>
           <p:cNvSpPr txBox="1"/>
           <p:nvPr>
             <p:ph idx="1" type="body"/>
@@ -4696,7 +4696,7 @@
   <p:cSld>
     <p:spTree>
       <p:nvGrpSpPr>
-        <p:cNvPr id="322" name="Shape 322"/>
+        <p:cNvPr id="323" name="Shape 323"/>
         <p:cNvGrpSpPr/>
         <p:nvPr/>
       </p:nvGrpSpPr>
@@ -4710,7 +4710,7 @@
       </p:grpSpPr>
       <p:sp>
         <p:nvSpPr>
-          <p:cNvPr id="323" name="Google Shape;323;g135c38da464_2_46:notes"/>
+          <p:cNvPr id="324" name="Google Shape;324;g135c38da464_2_46:notes"/>
           <p:cNvSpPr/>
           <p:nvPr>
             <p:ph idx="2" type="sldImg"/>
@@ -4745,7 +4745,7 @@
       </p:sp>
       <p:sp>
         <p:nvSpPr>
-          <p:cNvPr id="324" name="Google Shape;324;g135c38da464_2_46:notes"/>
+          <p:cNvPr id="325" name="Google Shape;325;g135c38da464_2_46:notes"/>
           <p:cNvSpPr txBox="1"/>
           <p:nvPr>
             <p:ph idx="1" type="body"/>
@@ -4902,7 +4902,7 @@
   <p:cSld>
     <p:spTree>
       <p:nvGrpSpPr>
-        <p:cNvPr id="328" name="Shape 328"/>
+        <p:cNvPr id="329" name="Shape 329"/>
         <p:cNvGrpSpPr/>
         <p:nvPr/>
       </p:nvGrpSpPr>
@@ -4916,7 +4916,7 @@
       </p:grpSpPr>
       <p:sp>
         <p:nvSpPr>
-          <p:cNvPr id="329" name="Google Shape;329;g135c38da464_2_69:notes"/>
+          <p:cNvPr id="330" name="Google Shape;330;g135c38da464_2_69:notes"/>
           <p:cNvSpPr/>
           <p:nvPr>
             <p:ph idx="2" type="sldImg"/>
@@ -4951,7 +4951,7 @@
       </p:sp>
       <p:sp>
         <p:nvSpPr>
-          <p:cNvPr id="330" name="Google Shape;330;g135c38da464_2_69:notes"/>
+          <p:cNvPr id="331" name="Google Shape;331;g135c38da464_2_69:notes"/>
           <p:cNvSpPr txBox="1"/>
           <p:nvPr>
             <p:ph idx="1" type="body"/>
@@ -5096,7 +5096,7 @@
   <p:cSld>
     <p:spTree>
       <p:nvGrpSpPr>
-        <p:cNvPr id="334" name="Shape 334"/>
+        <p:cNvPr id="335" name="Shape 335"/>
         <p:cNvGrpSpPr/>
         <p:nvPr/>
       </p:nvGrpSpPr>
@@ -5110,7 +5110,7 @@
       </p:grpSpPr>
       <p:sp>
         <p:nvSpPr>
-          <p:cNvPr id="335" name="Google Shape;335;g135c38da464_2_76:notes"/>
+          <p:cNvPr id="336" name="Google Shape;336;g135c38da464_2_76:notes"/>
           <p:cNvSpPr/>
           <p:nvPr>
             <p:ph idx="2" type="sldImg"/>
@@ -5145,7 +5145,7 @@
       </p:sp>
       <p:sp>
         <p:nvSpPr>
-          <p:cNvPr id="336" name="Google Shape;336;g135c38da464_2_76:notes"/>
+          <p:cNvPr id="337" name="Google Shape;337;g135c38da464_2_76:notes"/>
           <p:cNvSpPr txBox="1"/>
           <p:nvPr>
             <p:ph idx="1" type="body"/>
@@ -5250,7 +5250,7 @@
   <p:cSld>
     <p:spTree>
       <p:nvGrpSpPr>
-        <p:cNvPr id="340" name="Shape 340"/>
+        <p:cNvPr id="341" name="Shape 341"/>
         <p:cNvGrpSpPr/>
         <p:nvPr/>
       </p:nvGrpSpPr>
@@ -5264,7 +5264,7 @@
       </p:grpSpPr>
       <p:sp>
         <p:nvSpPr>
-          <p:cNvPr id="341" name="Google Shape;341;g135c38da464_4_411:notes"/>
+          <p:cNvPr id="342" name="Google Shape;342;g135c38da464_4_411:notes"/>
           <p:cNvSpPr/>
           <p:nvPr>
             <p:ph idx="2" type="sldImg"/>
@@ -5299,7 +5299,7 @@
       </p:sp>
       <p:sp>
         <p:nvSpPr>
-          <p:cNvPr id="342" name="Google Shape;342;g135c38da464_4_411:notes"/>
+          <p:cNvPr id="343" name="Google Shape;343;g135c38da464_4_411:notes"/>
           <p:cNvSpPr txBox="1"/>
           <p:nvPr>
             <p:ph idx="1" type="body"/>
@@ -5401,7 +5401,7 @@
   <p:cSld>
     <p:spTree>
       <p:nvGrpSpPr>
-        <p:cNvPr id="347" name="Shape 347"/>
+        <p:cNvPr id="348" name="Shape 348"/>
         <p:cNvGrpSpPr/>
         <p:nvPr/>
       </p:nvGrpSpPr>
@@ -5415,7 +5415,7 @@
       </p:grpSpPr>
       <p:sp>
         <p:nvSpPr>
-          <p:cNvPr id="348" name="Google Shape;348;g135c38da464_4_420:notes"/>
+          <p:cNvPr id="349" name="Google Shape;349;g135c38da464_4_420:notes"/>
           <p:cNvSpPr/>
           <p:nvPr>
             <p:ph idx="2" type="sldImg"/>
@@ -5450,7 +5450,7 @@
       </p:sp>
       <p:sp>
         <p:nvSpPr>
-          <p:cNvPr id="349" name="Google Shape;349;g135c38da464_4_420:notes"/>
+          <p:cNvPr id="350" name="Google Shape;350;g135c38da464_4_420:notes"/>
           <p:cNvSpPr txBox="1"/>
           <p:nvPr>
             <p:ph idx="1" type="body"/>
@@ -5698,7 +5698,7 @@
   <p:cSld>
     <p:spTree>
       <p:nvGrpSpPr>
-        <p:cNvPr id="354" name="Shape 354"/>
+        <p:cNvPr id="355" name="Shape 355"/>
         <p:cNvGrpSpPr/>
         <p:nvPr/>
       </p:nvGrpSpPr>
@@ -5712,7 +5712,7 @@
       </p:grpSpPr>
       <p:sp>
         <p:nvSpPr>
-          <p:cNvPr id="355" name="Google Shape;355;g135c38da464_4_428:notes"/>
+          <p:cNvPr id="356" name="Google Shape;356;g135c38da464_4_428:notes"/>
           <p:cNvSpPr/>
           <p:nvPr>
             <p:ph idx="2" type="sldImg"/>
@@ -5747,7 +5747,7 @@
       </p:sp>
       <p:sp>
         <p:nvSpPr>
-          <p:cNvPr id="356" name="Google Shape;356;g135c38da464_4_428:notes"/>
+          <p:cNvPr id="357" name="Google Shape;357;g135c38da464_4_428:notes"/>
           <p:cNvSpPr txBox="1"/>
           <p:nvPr>
             <p:ph idx="1" type="body"/>
@@ -5861,7 +5861,7 @@
   <p:cSld>
     <p:spTree>
       <p:nvGrpSpPr>
-        <p:cNvPr id="360" name="Shape 360"/>
+        <p:cNvPr id="361" name="Shape 361"/>
         <p:cNvGrpSpPr/>
         <p:nvPr/>
       </p:nvGrpSpPr>
@@ -5875,7 +5875,7 @@
       </p:grpSpPr>
       <p:sp>
         <p:nvSpPr>
-          <p:cNvPr id="361" name="Google Shape;361;g135c38da464_2_5:notes"/>
+          <p:cNvPr id="362" name="Google Shape;362;g135c38da464_2_5:notes"/>
           <p:cNvSpPr/>
           <p:nvPr>
             <p:ph idx="2" type="sldImg"/>
@@ -5910,7 +5910,7 @@
       </p:sp>
       <p:sp>
         <p:nvSpPr>
-          <p:cNvPr id="362" name="Google Shape;362;g135c38da464_2_5:notes"/>
+          <p:cNvPr id="363" name="Google Shape;363;g135c38da464_2_5:notes"/>
           <p:cNvSpPr txBox="1"/>
           <p:nvPr>
             <p:ph idx="1" type="body"/>
@@ -5960,7 +5960,7 @@
   <p:cSld>
     <p:spTree>
       <p:nvGrpSpPr>
-        <p:cNvPr id="366" name="Shape 366"/>
+        <p:cNvPr id="367" name="Shape 367"/>
         <p:cNvGrpSpPr/>
         <p:nvPr/>
       </p:nvGrpSpPr>
@@ -5974,7 +5974,7 @@
       </p:grpSpPr>
       <p:sp>
         <p:nvSpPr>
-          <p:cNvPr id="367" name="Google Shape;367;g13a014179fa_0_0:notes"/>
+          <p:cNvPr id="368" name="Google Shape;368;g13a014179fa_0_0:notes"/>
           <p:cNvSpPr/>
           <p:nvPr>
             <p:ph idx="2" type="sldImg"/>
@@ -6009,7 +6009,7 @@
       </p:sp>
       <p:sp>
         <p:nvSpPr>
-          <p:cNvPr id="368" name="Google Shape;368;g13a014179fa_0_0:notes"/>
+          <p:cNvPr id="369" name="Google Shape;369;g13a014179fa_0_0:notes"/>
           <p:cNvSpPr txBox="1"/>
           <p:nvPr>
             <p:ph idx="1" type="body"/>
@@ -6158,7 +6158,7 @@
   <p:cSld>
     <p:spTree>
       <p:nvGrpSpPr>
-        <p:cNvPr id="90" name="Shape 90"/>
+        <p:cNvPr id="91" name="Shape 91"/>
         <p:cNvGrpSpPr/>
         <p:nvPr/>
       </p:nvGrpSpPr>
@@ -6172,7 +6172,7 @@
       </p:grpSpPr>
       <p:sp>
         <p:nvSpPr>
-          <p:cNvPr id="91" name="Google Shape;91;g135c38da464_4_255:notes"/>
+          <p:cNvPr id="92" name="Google Shape;92;g135c38da464_4_255:notes"/>
           <p:cNvSpPr/>
           <p:nvPr>
             <p:ph idx="2" type="sldImg"/>
@@ -6207,7 +6207,7 @@
       </p:sp>
       <p:sp>
         <p:nvSpPr>
-          <p:cNvPr id="92" name="Google Shape;92;g135c38da464_4_255:notes"/>
+          <p:cNvPr id="93" name="Google Shape;93;g135c38da464_4_255:notes"/>
           <p:cNvSpPr txBox="1"/>
           <p:nvPr>
             <p:ph idx="1" type="body"/>
@@ -6257,7 +6257,7 @@
   <p:cSld>
     <p:spTree>
       <p:nvGrpSpPr>
-        <p:cNvPr id="96" name="Shape 96"/>
+        <p:cNvPr id="97" name="Shape 97"/>
         <p:cNvGrpSpPr/>
         <p:nvPr/>
       </p:nvGrpSpPr>
@@ -6271,7 +6271,7 @@
       </p:grpSpPr>
       <p:sp>
         <p:nvSpPr>
-          <p:cNvPr id="97" name="Google Shape;97;g135c38da464_4_260:notes"/>
+          <p:cNvPr id="98" name="Google Shape;98;g135c38da464_4_260:notes"/>
           <p:cNvSpPr/>
           <p:nvPr>
             <p:ph idx="2" type="sldImg"/>
@@ -6306,7 +6306,7 @@
       </p:sp>
       <p:sp>
         <p:nvSpPr>
-          <p:cNvPr id="98" name="Google Shape;98;g135c38da464_4_260:notes"/>
+          <p:cNvPr id="99" name="Google Shape;99;g135c38da464_4_260:notes"/>
           <p:cNvSpPr txBox="1"/>
           <p:nvPr>
             <p:ph idx="1" type="body"/>
@@ -6356,7 +6356,7 @@
   <p:cSld>
     <p:spTree>
       <p:nvGrpSpPr>
-        <p:cNvPr id="102" name="Shape 102"/>
+        <p:cNvPr id="103" name="Shape 103"/>
         <p:cNvGrpSpPr/>
         <p:nvPr/>
       </p:nvGrpSpPr>
@@ -6370,7 +6370,7 @@
       </p:grpSpPr>
       <p:sp>
         <p:nvSpPr>
-          <p:cNvPr id="103" name="Google Shape;103;g135c38da464_4_265:notes"/>
+          <p:cNvPr id="104" name="Google Shape;104;g135c38da464_4_265:notes"/>
           <p:cNvSpPr/>
           <p:nvPr>
             <p:ph idx="2" type="sldImg"/>
@@ -6405,7 +6405,7 @@
       </p:sp>
       <p:sp>
         <p:nvSpPr>
-          <p:cNvPr id="104" name="Google Shape;104;g135c38da464_4_265:notes"/>
+          <p:cNvPr id="105" name="Google Shape;105;g135c38da464_4_265:notes"/>
           <p:cNvSpPr txBox="1"/>
           <p:nvPr>
             <p:ph idx="1" type="body"/>
@@ -11785,7 +11785,7 @@
   <p:cSld>
     <p:spTree>
       <p:nvGrpSpPr>
-        <p:cNvPr id="111" name="Shape 111"/>
+        <p:cNvPr id="112" name="Shape 112"/>
         <p:cNvGrpSpPr/>
         <p:nvPr/>
       </p:nvGrpSpPr>
@@ -11799,7 +11799,7 @@
       </p:grpSpPr>
       <p:sp>
         <p:nvSpPr>
-          <p:cNvPr id="112" name="Google Shape;112;p22"/>
+          <p:cNvPr id="113" name="Google Shape;113;p22"/>
           <p:cNvSpPr txBox="1"/>
           <p:nvPr>
             <p:ph type="title"/>
@@ -11838,7 +11838,7 @@
       </p:sp>
       <p:pic>
         <p:nvPicPr>
-          <p:cNvPr id="113" name="Google Shape;113;p22"/>
+          <p:cNvPr id="114" name="Google Shape;114;p22"/>
           <p:cNvPicPr preferRelativeResize="0"/>
           <p:nvPr/>
         </p:nvPicPr>
@@ -11876,7 +11876,7 @@
   <p:cSld>
     <p:spTree>
       <p:nvGrpSpPr>
-        <p:cNvPr id="117" name="Shape 117"/>
+        <p:cNvPr id="118" name="Shape 118"/>
         <p:cNvGrpSpPr/>
         <p:nvPr/>
       </p:nvGrpSpPr>
@@ -11890,7 +11890,7 @@
       </p:grpSpPr>
       <p:sp>
         <p:nvSpPr>
-          <p:cNvPr id="118" name="Google Shape;118;p23"/>
+          <p:cNvPr id="119" name="Google Shape;119;p23"/>
           <p:cNvSpPr txBox="1"/>
           <p:nvPr>
             <p:ph type="title"/>
@@ -11929,7 +11929,7 @@
       </p:sp>
       <p:pic>
         <p:nvPicPr>
-          <p:cNvPr id="119" name="Google Shape;119;p23"/>
+          <p:cNvPr id="120" name="Google Shape;120;p23"/>
           <p:cNvPicPr preferRelativeResize="0"/>
           <p:nvPr/>
         </p:nvPicPr>
@@ -11968,7 +11968,7 @@
   <p:cSld>
     <p:spTree>
       <p:nvGrpSpPr>
-        <p:cNvPr id="123" name="Shape 123"/>
+        <p:cNvPr id="124" name="Shape 124"/>
         <p:cNvGrpSpPr/>
         <p:nvPr/>
       </p:nvGrpSpPr>
@@ -11982,7 +11982,7 @@
       </p:grpSpPr>
       <p:sp>
         <p:nvSpPr>
-          <p:cNvPr id="124" name="Google Shape;124;p24"/>
+          <p:cNvPr id="125" name="Google Shape;125;p24"/>
           <p:cNvSpPr txBox="1"/>
           <p:nvPr>
             <p:ph type="title"/>
@@ -12022,7 +12022,7 @@
       </p:sp>
       <p:pic>
         <p:nvPicPr>
-          <p:cNvPr id="125" name="Google Shape;125;p24"/>
+          <p:cNvPr id="126" name="Google Shape;126;p24"/>
           <p:cNvPicPr preferRelativeResize="0"/>
           <p:nvPr/>
         </p:nvPicPr>
@@ -12061,7 +12061,7 @@
   <p:cSld>
     <p:spTree>
       <p:nvGrpSpPr>
-        <p:cNvPr id="129" name="Shape 129"/>
+        <p:cNvPr id="130" name="Shape 130"/>
         <p:cNvGrpSpPr/>
         <p:nvPr/>
       </p:nvGrpSpPr>
@@ -12075,7 +12075,7 @@
       </p:grpSpPr>
       <p:sp>
         <p:nvSpPr>
-          <p:cNvPr id="130" name="Google Shape;130;p25"/>
+          <p:cNvPr id="131" name="Google Shape;131;p25"/>
           <p:cNvSpPr txBox="1"/>
           <p:nvPr>
             <p:ph type="title"/>
@@ -12115,7 +12115,7 @@
       </p:sp>
       <p:sp>
         <p:nvSpPr>
-          <p:cNvPr id="131" name="Google Shape;131;p25"/>
+          <p:cNvPr id="132" name="Google Shape;132;p25"/>
           <p:cNvSpPr txBox="1"/>
           <p:nvPr>
             <p:ph idx="1" type="body"/>
@@ -12310,7 +12310,7 @@
   <p:cSld>
     <p:spTree>
       <p:nvGrpSpPr>
-        <p:cNvPr id="135" name="Shape 135"/>
+        <p:cNvPr id="136" name="Shape 136"/>
         <p:cNvGrpSpPr/>
         <p:nvPr/>
       </p:nvGrpSpPr>
@@ -12324,7 +12324,7 @@
       </p:grpSpPr>
       <p:sp>
         <p:nvSpPr>
-          <p:cNvPr id="136" name="Google Shape;136;p26"/>
+          <p:cNvPr id="137" name="Google Shape;137;p26"/>
           <p:cNvSpPr txBox="1"/>
           <p:nvPr>
             <p:ph type="title"/>
@@ -12364,7 +12364,7 @@
       </p:sp>
       <p:sp>
         <p:nvSpPr>
-          <p:cNvPr id="137" name="Google Shape;137;p26"/>
+          <p:cNvPr id="138" name="Google Shape;138;p26"/>
           <p:cNvSpPr txBox="1"/>
           <p:nvPr>
             <p:ph idx="1" type="body"/>
@@ -12603,7 +12603,7 @@
   <p:cSld>
     <p:spTree>
       <p:nvGrpSpPr>
-        <p:cNvPr id="141" name="Shape 141"/>
+        <p:cNvPr id="142" name="Shape 142"/>
         <p:cNvGrpSpPr/>
         <p:nvPr/>
       </p:nvGrpSpPr>
@@ -12617,7 +12617,7 @@
       </p:grpSpPr>
       <p:sp>
         <p:nvSpPr>
-          <p:cNvPr id="142" name="Google Shape;142;p27"/>
+          <p:cNvPr id="143" name="Google Shape;143;p27"/>
           <p:cNvSpPr txBox="1"/>
           <p:nvPr>
             <p:ph type="title"/>
@@ -12657,7 +12657,7 @@
       </p:sp>
       <p:sp>
         <p:nvSpPr>
-          <p:cNvPr id="143" name="Google Shape;143;p27"/>
+          <p:cNvPr id="144" name="Google Shape;144;p27"/>
           <p:cNvSpPr txBox="1"/>
           <p:nvPr>
             <p:ph idx="1" type="body"/>
@@ -12879,7 +12879,7 @@
   <p:cSld>
     <p:spTree>
       <p:nvGrpSpPr>
-        <p:cNvPr id="147" name="Shape 147"/>
+        <p:cNvPr id="148" name="Shape 148"/>
         <p:cNvGrpSpPr/>
         <p:nvPr/>
       </p:nvGrpSpPr>
@@ -12893,7 +12893,7 @@
       </p:grpSpPr>
       <p:sp>
         <p:nvSpPr>
-          <p:cNvPr id="148" name="Google Shape;148;p28"/>
+          <p:cNvPr id="149" name="Google Shape;149;p28"/>
           <p:cNvSpPr txBox="1"/>
           <p:nvPr>
             <p:ph type="ctrTitle"/>
@@ -12933,7 +12933,7 @@
       </p:sp>
       <p:sp>
         <p:nvSpPr>
-          <p:cNvPr id="149" name="Google Shape;149;p28"/>
+          <p:cNvPr id="150" name="Google Shape;150;p28"/>
           <p:cNvSpPr txBox="1"/>
           <p:nvPr>
             <p:ph idx="1" type="subTitle"/>
@@ -12983,7 +12983,7 @@
   <p:cSld>
     <p:spTree>
       <p:nvGrpSpPr>
-        <p:cNvPr id="153" name="Shape 153"/>
+        <p:cNvPr id="154" name="Shape 154"/>
         <p:cNvGrpSpPr/>
         <p:nvPr/>
       </p:nvGrpSpPr>
@@ -12997,7 +12997,7 @@
       </p:grpSpPr>
       <p:sp>
         <p:nvSpPr>
-          <p:cNvPr id="154" name="Google Shape;154;p29"/>
+          <p:cNvPr id="155" name="Google Shape;155;p29"/>
           <p:cNvSpPr txBox="1"/>
           <p:nvPr>
             <p:ph type="ctrTitle"/>
@@ -13037,7 +13037,7 @@
       </p:sp>
       <p:sp>
         <p:nvSpPr>
-          <p:cNvPr id="155" name="Google Shape;155;p29"/>
+          <p:cNvPr id="156" name="Google Shape;156;p29"/>
           <p:cNvSpPr txBox="1"/>
           <p:nvPr>
             <p:ph idx="1" type="subTitle"/>
@@ -13087,7 +13087,7 @@
   <p:cSld>
     <p:spTree>
       <p:nvGrpSpPr>
-        <p:cNvPr id="159" name="Shape 159"/>
+        <p:cNvPr id="160" name="Shape 160"/>
         <p:cNvGrpSpPr/>
         <p:nvPr/>
       </p:nvGrpSpPr>
@@ -13101,7 +13101,7 @@
       </p:grpSpPr>
       <p:sp>
         <p:nvSpPr>
-          <p:cNvPr id="160" name="Google Shape;160;p30"/>
+          <p:cNvPr id="161" name="Google Shape;161;p30"/>
           <p:cNvSpPr txBox="1"/>
           <p:nvPr>
             <p:ph type="title"/>
@@ -13152,7 +13152,7 @@
   <p:cSld>
     <p:spTree>
       <p:nvGrpSpPr>
-        <p:cNvPr id="164" name="Shape 164"/>
+        <p:cNvPr id="165" name="Shape 165"/>
         <p:cNvGrpSpPr/>
         <p:nvPr/>
       </p:nvGrpSpPr>
@@ -13166,7 +13166,7 @@
       </p:grpSpPr>
       <p:sp>
         <p:nvSpPr>
-          <p:cNvPr id="165" name="Google Shape;165;p31"/>
+          <p:cNvPr id="166" name="Google Shape;166;p31"/>
           <p:cNvSpPr txBox="1"/>
           <p:nvPr>
             <p:ph type="ctrTitle"/>
@@ -13206,7 +13206,7 @@
       </p:sp>
       <p:sp>
         <p:nvSpPr>
-          <p:cNvPr id="166" name="Google Shape;166;p31"/>
+          <p:cNvPr id="167" name="Google Shape;167;p31"/>
           <p:cNvSpPr txBox="1"/>
           <p:nvPr>
             <p:ph idx="1" type="subTitle"/>
@@ -13360,7 +13360,7 @@
   <p:cSld>
     <p:spTree>
       <p:nvGrpSpPr>
-        <p:cNvPr id="170" name="Shape 170"/>
+        <p:cNvPr id="171" name="Shape 171"/>
         <p:cNvGrpSpPr/>
         <p:nvPr/>
       </p:nvGrpSpPr>
@@ -13374,7 +13374,7 @@
       </p:grpSpPr>
       <p:sp>
         <p:nvSpPr>
-          <p:cNvPr id="171" name="Google Shape;171;p32"/>
+          <p:cNvPr id="172" name="Google Shape;172;p32"/>
           <p:cNvSpPr txBox="1"/>
           <p:nvPr>
             <p:ph type="title"/>
@@ -13425,7 +13425,7 @@
   <p:cSld>
     <p:spTree>
       <p:nvGrpSpPr>
-        <p:cNvPr id="175" name="Shape 175"/>
+        <p:cNvPr id="176" name="Shape 176"/>
         <p:cNvGrpSpPr/>
         <p:nvPr/>
       </p:nvGrpSpPr>
@@ -13439,7 +13439,7 @@
       </p:grpSpPr>
       <p:sp>
         <p:nvSpPr>
-          <p:cNvPr id="176" name="Google Shape;176;p33"/>
+          <p:cNvPr id="177" name="Google Shape;177;p33"/>
           <p:cNvSpPr txBox="1"/>
           <p:nvPr>
             <p:ph type="ctrTitle"/>
@@ -13479,7 +13479,7 @@
       </p:sp>
       <p:sp>
         <p:nvSpPr>
-          <p:cNvPr id="177" name="Google Shape;177;p33"/>
+          <p:cNvPr id="178" name="Google Shape;178;p33"/>
           <p:cNvSpPr txBox="1"/>
           <p:nvPr>
             <p:ph idx="1" type="subTitle"/>
@@ -13529,7 +13529,7 @@
   <p:cSld>
     <p:spTree>
       <p:nvGrpSpPr>
-        <p:cNvPr id="181" name="Shape 181"/>
+        <p:cNvPr id="182" name="Shape 182"/>
         <p:cNvGrpSpPr/>
         <p:nvPr/>
       </p:nvGrpSpPr>
@@ -13543,7 +13543,7 @@
       </p:grpSpPr>
       <p:sp>
         <p:nvSpPr>
-          <p:cNvPr id="182" name="Google Shape;182;p34"/>
+          <p:cNvPr id="183" name="Google Shape;183;p34"/>
           <p:cNvSpPr txBox="1"/>
           <p:nvPr>
             <p:ph type="title"/>
@@ -13583,7 +13583,7 @@
       </p:sp>
       <p:sp>
         <p:nvSpPr>
-          <p:cNvPr id="183" name="Google Shape;183;p34"/>
+          <p:cNvPr id="184" name="Google Shape;184;p34"/>
           <p:cNvSpPr txBox="1"/>
           <p:nvPr>
             <p:ph idx="1" type="body"/>
@@ -13703,7 +13703,7 @@
   <p:cSld>
     <p:spTree>
       <p:nvGrpSpPr>
-        <p:cNvPr id="187" name="Shape 187"/>
+        <p:cNvPr id="188" name="Shape 188"/>
         <p:cNvGrpSpPr/>
         <p:nvPr/>
       </p:nvGrpSpPr>
@@ -13717,7 +13717,7 @@
       </p:grpSpPr>
       <p:sp>
         <p:nvSpPr>
-          <p:cNvPr id="188" name="Google Shape;188;p35"/>
+          <p:cNvPr id="189" name="Google Shape;189;p35"/>
           <p:cNvSpPr txBox="1"/>
           <p:nvPr>
             <p:ph type="title"/>
@@ -13757,7 +13757,7 @@
       </p:sp>
       <p:pic>
         <p:nvPicPr>
-          <p:cNvPr id="189" name="Google Shape;189;p35"/>
+          <p:cNvPr id="190" name="Google Shape;190;p35"/>
           <p:cNvPicPr preferRelativeResize="0"/>
           <p:nvPr/>
         </p:nvPicPr>
@@ -13795,7 +13795,7 @@
   <p:cSld>
     <p:spTree>
       <p:nvGrpSpPr>
-        <p:cNvPr id="193" name="Shape 193"/>
+        <p:cNvPr id="194" name="Shape 194"/>
         <p:cNvGrpSpPr/>
         <p:nvPr/>
       </p:nvGrpSpPr>
@@ -13809,7 +13809,7 @@
       </p:grpSpPr>
       <p:pic>
         <p:nvPicPr>
-          <p:cNvPr id="194" name="Google Shape;194;p36"/>
+          <p:cNvPr id="195" name="Google Shape;195;p36"/>
           <p:cNvPicPr preferRelativeResize="0"/>
           <p:nvPr/>
         </p:nvPicPr>
@@ -13837,7 +13837,7 @@
       </p:pic>
       <p:sp>
         <p:nvSpPr>
-          <p:cNvPr id="195" name="Google Shape;195;p36"/>
+          <p:cNvPr id="196" name="Google Shape;196;p36"/>
           <p:cNvSpPr txBox="1"/>
           <p:nvPr>
             <p:ph type="title"/>
@@ -13877,9 +13877,9 @@
       </p:sp>
       <p:cxnSp>
         <p:nvCxnSpPr>
-          <p:cNvPr id="196" name="Google Shape;196;p36"/>
+          <p:cNvPr id="197" name="Google Shape;197;p36"/>
           <p:cNvCxnSpPr>
-            <a:stCxn id="197" idx="1"/>
+            <a:stCxn id="198" idx="1"/>
           </p:cNvCxnSpPr>
           <p:nvPr/>
         </p:nvCxnSpPr>
@@ -13905,7 +13905,7 @@
       </p:cxnSp>
       <p:sp>
         <p:nvSpPr>
-          <p:cNvPr id="197" name="Google Shape;197;p36"/>
+          <p:cNvPr id="198" name="Google Shape;198;p36"/>
           <p:cNvSpPr/>
           <p:nvPr/>
         </p:nvSpPr>
@@ -14003,9 +14003,9 @@
       </p:sp>
       <p:cxnSp>
         <p:nvCxnSpPr>
-          <p:cNvPr id="198" name="Google Shape;198;p36"/>
+          <p:cNvPr id="199" name="Google Shape;199;p36"/>
           <p:cNvCxnSpPr>
-            <a:stCxn id="197" idx="0"/>
+            <a:stCxn id="198" idx="0"/>
           </p:cNvCxnSpPr>
           <p:nvPr/>
         </p:nvCxnSpPr>
@@ -14042,7 +14042,7 @@
   <p:cSld>
     <p:spTree>
       <p:nvGrpSpPr>
-        <p:cNvPr id="202" name="Shape 202"/>
+        <p:cNvPr id="203" name="Shape 203"/>
         <p:cNvGrpSpPr/>
         <p:nvPr/>
       </p:nvGrpSpPr>
@@ -14056,7 +14056,7 @@
       </p:grpSpPr>
       <p:sp>
         <p:nvSpPr>
-          <p:cNvPr id="203" name="Google Shape;203;p37"/>
+          <p:cNvPr id="204" name="Google Shape;204;p37"/>
           <p:cNvSpPr txBox="1"/>
           <p:nvPr>
             <p:ph type="title"/>
@@ -14096,7 +14096,7 @@
       </p:sp>
       <p:pic>
         <p:nvPicPr>
-          <p:cNvPr id="204" name="Google Shape;204;p37" title="Points scored"/>
+          <p:cNvPr id="205" name="Google Shape;205;p37" title="Points scored"/>
           <p:cNvPicPr preferRelativeResize="0"/>
           <p:nvPr/>
         </p:nvPicPr>
@@ -14135,7 +14135,7 @@
   <p:cSld>
     <p:spTree>
       <p:nvGrpSpPr>
-        <p:cNvPr id="208" name="Shape 208"/>
+        <p:cNvPr id="209" name="Shape 209"/>
         <p:cNvGrpSpPr/>
         <p:nvPr/>
       </p:nvGrpSpPr>
@@ -14149,7 +14149,7 @@
       </p:grpSpPr>
       <p:sp>
         <p:nvSpPr>
-          <p:cNvPr id="209" name="Google Shape;209;p38"/>
+          <p:cNvPr id="210" name="Google Shape;210;p38"/>
           <p:cNvSpPr txBox="1"/>
           <p:nvPr>
             <p:ph type="title"/>
@@ -14189,7 +14189,7 @@
       </p:sp>
       <p:pic>
         <p:nvPicPr>
-          <p:cNvPr id="210" name="Google Shape;210;p38" title="Points scored"/>
+          <p:cNvPr id="211" name="Google Shape;211;p38" title="Points scored"/>
           <p:cNvPicPr preferRelativeResize="0"/>
           <p:nvPr/>
         </p:nvPicPr>
@@ -14217,7 +14217,7 @@
       </p:pic>
       <p:sp>
         <p:nvSpPr>
-          <p:cNvPr id="211" name="Google Shape;211;p38"/>
+          <p:cNvPr id="212" name="Google Shape;212;p38"/>
           <p:cNvSpPr txBox="1"/>
           <p:nvPr/>
         </p:nvSpPr>
@@ -14286,7 +14286,7 @@
   <p:cSld>
     <p:spTree>
       <p:nvGrpSpPr>
-        <p:cNvPr id="215" name="Shape 215"/>
+        <p:cNvPr id="216" name="Shape 216"/>
         <p:cNvGrpSpPr/>
         <p:nvPr/>
       </p:nvGrpSpPr>
@@ -14300,7 +14300,7 @@
       </p:grpSpPr>
       <p:sp>
         <p:nvSpPr>
-          <p:cNvPr id="216" name="Google Shape;216;p39"/>
+          <p:cNvPr id="217" name="Google Shape;217;p39"/>
           <p:cNvSpPr txBox="1"/>
           <p:nvPr>
             <p:ph type="title"/>
@@ -14340,7 +14340,7 @@
       </p:sp>
       <p:pic>
         <p:nvPicPr>
-          <p:cNvPr id="217" name="Google Shape;217;p39" title="Points scored"/>
+          <p:cNvPr id="218" name="Google Shape;218;p39" title="Points scored"/>
           <p:cNvPicPr preferRelativeResize="0"/>
           <p:nvPr/>
         </p:nvPicPr>
@@ -14379,7 +14379,7 @@
   <p:cSld>
     <p:spTree>
       <p:nvGrpSpPr>
-        <p:cNvPr id="221" name="Shape 221"/>
+        <p:cNvPr id="222" name="Shape 222"/>
         <p:cNvGrpSpPr/>
         <p:nvPr/>
       </p:nvGrpSpPr>
@@ -14393,7 +14393,7 @@
       </p:grpSpPr>
       <p:sp>
         <p:nvSpPr>
-          <p:cNvPr id="222" name="Google Shape;222;p40"/>
+          <p:cNvPr id="223" name="Google Shape;223;p40"/>
           <p:cNvSpPr txBox="1"/>
           <p:nvPr>
             <p:ph type="title"/>
@@ -14433,7 +14433,7 @@
       </p:sp>
       <p:pic>
         <p:nvPicPr>
-          <p:cNvPr id="223" name="Google Shape;223;p40"/>
+          <p:cNvPr id="224" name="Google Shape;224;p40"/>
           <p:cNvPicPr preferRelativeResize="0"/>
           <p:nvPr/>
         </p:nvPicPr>
@@ -14472,7 +14472,7 @@
   <p:cSld>
     <p:spTree>
       <p:nvGrpSpPr>
-        <p:cNvPr id="227" name="Shape 227"/>
+        <p:cNvPr id="228" name="Shape 228"/>
         <p:cNvGrpSpPr/>
         <p:nvPr/>
       </p:nvGrpSpPr>
@@ -14486,7 +14486,7 @@
       </p:grpSpPr>
       <p:sp>
         <p:nvSpPr>
-          <p:cNvPr id="228" name="Google Shape;228;p41"/>
+          <p:cNvPr id="229" name="Google Shape;229;p41"/>
           <p:cNvSpPr txBox="1"/>
           <p:nvPr>
             <p:ph type="ctrTitle"/>
@@ -14526,7 +14526,7 @@
       </p:sp>
       <p:sp>
         <p:nvSpPr>
-          <p:cNvPr id="229" name="Google Shape;229;p41"/>
+          <p:cNvPr id="230" name="Google Shape;230;p41"/>
           <p:cNvSpPr txBox="1"/>
           <p:nvPr>
             <p:ph idx="1" type="subTitle"/>
@@ -14684,7 +14684,7 @@
   <p:cSld>
     <p:spTree>
       <p:nvGrpSpPr>
-        <p:cNvPr id="233" name="Shape 233"/>
+        <p:cNvPr id="234" name="Shape 234"/>
         <p:cNvGrpSpPr/>
         <p:nvPr/>
       </p:nvGrpSpPr>
@@ -14698,7 +14698,7 @@
       </p:grpSpPr>
       <p:pic>
         <p:nvPicPr>
-          <p:cNvPr id="234" name="Google Shape;234;p42"/>
+          <p:cNvPr id="235" name="Google Shape;235;p42"/>
           <p:cNvPicPr preferRelativeResize="0"/>
           <p:nvPr/>
         </p:nvPicPr>
@@ -14736,7 +14736,7 @@
   <p:cSld>
     <p:spTree>
       <p:nvGrpSpPr>
-        <p:cNvPr id="238" name="Shape 238"/>
+        <p:cNvPr id="239" name="Shape 239"/>
         <p:cNvGrpSpPr/>
         <p:nvPr/>
       </p:nvGrpSpPr>
@@ -14750,7 +14750,7 @@
       </p:grpSpPr>
       <p:sp>
         <p:nvSpPr>
-          <p:cNvPr id="239" name="Google Shape;239;p43"/>
+          <p:cNvPr id="240" name="Google Shape;240;p43"/>
           <p:cNvSpPr txBox="1"/>
           <p:nvPr>
             <p:ph type="ctrTitle"/>
@@ -14790,7 +14790,7 @@
       </p:sp>
       <p:sp>
         <p:nvSpPr>
-          <p:cNvPr id="240" name="Google Shape;240;p43"/>
+          <p:cNvPr id="241" name="Google Shape;241;p43"/>
           <p:cNvSpPr txBox="1"/>
           <p:nvPr>
             <p:ph idx="1" type="subTitle"/>
@@ -14840,7 +14840,7 @@
   <p:cSld>
     <p:spTree>
       <p:nvGrpSpPr>
-        <p:cNvPr id="244" name="Shape 244"/>
+        <p:cNvPr id="245" name="Shape 245"/>
         <p:cNvGrpSpPr/>
         <p:nvPr/>
       </p:nvGrpSpPr>
@@ -14854,7 +14854,7 @@
       </p:grpSpPr>
       <p:sp>
         <p:nvSpPr>
-          <p:cNvPr id="245" name="Google Shape;245;p44"/>
+          <p:cNvPr id="246" name="Google Shape;246;p44"/>
           <p:cNvSpPr txBox="1"/>
           <p:nvPr>
             <p:ph type="ctrTitle"/>
@@ -14894,7 +14894,7 @@
       </p:sp>
       <p:sp>
         <p:nvSpPr>
-          <p:cNvPr id="246" name="Google Shape;246;p44"/>
+          <p:cNvPr id="247" name="Google Shape;247;p44"/>
           <p:cNvSpPr txBox="1"/>
           <p:nvPr>
             <p:ph idx="1" type="subTitle"/>
@@ -14944,7 +14944,7 @@
   <p:cSld>
     <p:spTree>
       <p:nvGrpSpPr>
-        <p:cNvPr id="250" name="Shape 250"/>
+        <p:cNvPr id="251" name="Shape 251"/>
         <p:cNvGrpSpPr/>
         <p:nvPr/>
       </p:nvGrpSpPr>
@@ -14958,7 +14958,7 @@
       </p:grpSpPr>
       <p:sp>
         <p:nvSpPr>
-          <p:cNvPr id="251" name="Google Shape;251;p45"/>
+          <p:cNvPr id="252" name="Google Shape;252;p45"/>
           <p:cNvSpPr txBox="1"/>
           <p:nvPr>
             <p:ph type="title"/>
@@ -14997,7 +14997,7 @@
       </p:sp>
       <p:sp>
         <p:nvSpPr>
-          <p:cNvPr id="252" name="Google Shape;252;p45"/>
+          <p:cNvPr id="253" name="Google Shape;253;p45"/>
           <p:cNvSpPr txBox="1"/>
           <p:nvPr>
             <p:ph idx="1" type="body"/>
@@ -15036,7 +15036,7 @@
       </p:sp>
       <p:pic>
         <p:nvPicPr>
-          <p:cNvPr id="253" name="Google Shape;253;p45"/>
+          <p:cNvPr id="254" name="Google Shape;254;p45"/>
           <p:cNvPicPr preferRelativeResize="0"/>
           <p:nvPr/>
         </p:nvPicPr>
@@ -15075,7 +15075,7 @@
   <p:cSld>
     <p:spTree>
       <p:nvGrpSpPr>
-        <p:cNvPr id="257" name="Shape 257"/>
+        <p:cNvPr id="258" name="Shape 258"/>
         <p:cNvGrpSpPr/>
         <p:nvPr/>
       </p:nvGrpSpPr>
@@ -15089,7 +15089,7 @@
       </p:grpSpPr>
       <p:sp>
         <p:nvSpPr>
-          <p:cNvPr id="258" name="Google Shape;258;p46"/>
+          <p:cNvPr id="259" name="Google Shape;259;p46"/>
           <p:cNvSpPr txBox="1"/>
           <p:nvPr>
             <p:ph type="ctrTitle"/>
@@ -15129,7 +15129,7 @@
       </p:sp>
       <p:sp>
         <p:nvSpPr>
-          <p:cNvPr id="259" name="Google Shape;259;p46"/>
+          <p:cNvPr id="260" name="Google Shape;260;p46"/>
           <p:cNvSpPr txBox="1"/>
           <p:nvPr>
             <p:ph idx="1" type="subTitle"/>
@@ -15179,7 +15179,7 @@
   <p:cSld>
     <p:spTree>
       <p:nvGrpSpPr>
-        <p:cNvPr id="263" name="Shape 263"/>
+        <p:cNvPr id="264" name="Shape 264"/>
         <p:cNvGrpSpPr/>
         <p:nvPr/>
       </p:nvGrpSpPr>
@@ -15193,7 +15193,7 @@
       </p:grpSpPr>
       <p:sp>
         <p:nvSpPr>
-          <p:cNvPr id="264" name="Google Shape;264;p47"/>
+          <p:cNvPr id="265" name="Google Shape;265;p47"/>
           <p:cNvSpPr txBox="1"/>
           <p:nvPr>
             <p:ph type="title"/>
@@ -15244,7 +15244,7 @@
   <p:cSld>
     <p:spTree>
       <p:nvGrpSpPr>
-        <p:cNvPr id="268" name="Shape 268"/>
+        <p:cNvPr id="269" name="Shape 269"/>
         <p:cNvGrpSpPr/>
         <p:nvPr/>
       </p:nvGrpSpPr>
@@ -15258,7 +15258,7 @@
       </p:grpSpPr>
       <p:sp>
         <p:nvSpPr>
-          <p:cNvPr id="269" name="Google Shape;269;p48"/>
+          <p:cNvPr id="270" name="Google Shape;270;p48"/>
           <p:cNvSpPr txBox="1"/>
           <p:nvPr>
             <p:ph type="ctrTitle"/>
@@ -15298,7 +15298,7 @@
       </p:sp>
       <p:sp>
         <p:nvSpPr>
-          <p:cNvPr id="270" name="Google Shape;270;p48"/>
+          <p:cNvPr id="271" name="Google Shape;271;p48"/>
           <p:cNvSpPr txBox="1"/>
           <p:nvPr>
             <p:ph idx="1" type="subTitle"/>
@@ -15348,7 +15348,7 @@
   <p:cSld>
     <p:spTree>
       <p:nvGrpSpPr>
-        <p:cNvPr id="274" name="Shape 274"/>
+        <p:cNvPr id="275" name="Shape 275"/>
         <p:cNvGrpSpPr/>
         <p:nvPr/>
       </p:nvGrpSpPr>
@@ -15362,7 +15362,7 @@
       </p:grpSpPr>
       <p:sp>
         <p:nvSpPr>
-          <p:cNvPr id="275" name="Google Shape;275;p49"/>
+          <p:cNvPr id="276" name="Google Shape;276;p49"/>
           <p:cNvSpPr txBox="1"/>
           <p:nvPr>
             <p:ph type="title"/>
@@ -15401,7 +15401,7 @@
       </p:sp>
       <p:sp>
         <p:nvSpPr>
-          <p:cNvPr id="276" name="Google Shape;276;p49"/>
+          <p:cNvPr id="277" name="Google Shape;277;p49"/>
           <p:cNvSpPr txBox="1"/>
           <p:nvPr>
             <p:ph idx="1" type="body"/>
@@ -15440,7 +15440,7 @@
       </p:sp>
       <p:pic>
         <p:nvPicPr>
-          <p:cNvPr id="277" name="Google Shape;277;p49"/>
+          <p:cNvPr id="278" name="Google Shape;278;p49"/>
           <p:cNvPicPr preferRelativeResize="0"/>
           <p:nvPr/>
         </p:nvPicPr>
@@ -15479,7 +15479,7 @@
   <p:cSld>
     <p:spTree>
       <p:nvGrpSpPr>
-        <p:cNvPr id="281" name="Shape 281"/>
+        <p:cNvPr id="282" name="Shape 282"/>
         <p:cNvGrpSpPr/>
         <p:nvPr/>
       </p:nvGrpSpPr>
@@ -15493,7 +15493,7 @@
       </p:grpSpPr>
       <p:sp>
         <p:nvSpPr>
-          <p:cNvPr id="282" name="Google Shape;282;p50"/>
+          <p:cNvPr id="283" name="Google Shape;283;p50"/>
           <p:cNvSpPr txBox="1"/>
           <p:nvPr>
             <p:ph type="title"/>
@@ -15532,7 +15532,7 @@
       </p:sp>
       <p:sp>
         <p:nvSpPr>
-          <p:cNvPr id="283" name="Google Shape;283;p50"/>
+          <p:cNvPr id="284" name="Google Shape;284;p50"/>
           <p:cNvSpPr txBox="1"/>
           <p:nvPr>
             <p:ph idx="1" type="body"/>
@@ -15571,7 +15571,7 @@
       </p:sp>
       <p:pic>
         <p:nvPicPr>
-          <p:cNvPr id="284" name="Google Shape;284;p50"/>
+          <p:cNvPr id="285" name="Google Shape;285;p50"/>
           <p:cNvPicPr preferRelativeResize="0"/>
           <p:nvPr/>
         </p:nvPicPr>
@@ -15610,7 +15610,7 @@
   <p:cSld>
     <p:spTree>
       <p:nvGrpSpPr>
-        <p:cNvPr id="288" name="Shape 288"/>
+        <p:cNvPr id="289" name="Shape 289"/>
         <p:cNvGrpSpPr/>
         <p:nvPr/>
       </p:nvGrpSpPr>
@@ -15624,7 +15624,7 @@
       </p:grpSpPr>
       <p:sp>
         <p:nvSpPr>
-          <p:cNvPr id="289" name="Google Shape;289;p51"/>
+          <p:cNvPr id="290" name="Google Shape;290;p51"/>
           <p:cNvSpPr txBox="1"/>
           <p:nvPr>
             <p:ph type="title"/>
@@ -15663,7 +15663,7 @@
       </p:sp>
       <p:sp>
         <p:nvSpPr>
-          <p:cNvPr id="290" name="Google Shape;290;p51"/>
+          <p:cNvPr id="291" name="Google Shape;291;p51"/>
           <p:cNvSpPr txBox="1"/>
           <p:nvPr>
             <p:ph idx="1" type="body"/>
@@ -15702,7 +15702,7 @@
       </p:sp>
       <p:pic>
         <p:nvPicPr>
-          <p:cNvPr id="291" name="Google Shape;291;p51"/>
+          <p:cNvPr id="292" name="Google Shape;292;p51"/>
           <p:cNvPicPr preferRelativeResize="0"/>
           <p:nvPr/>
         </p:nvPicPr>
@@ -15958,7 +15958,7 @@
   <p:cSld>
     <p:spTree>
       <p:nvGrpSpPr>
-        <p:cNvPr id="295" name="Shape 295"/>
+        <p:cNvPr id="296" name="Shape 296"/>
         <p:cNvGrpSpPr/>
         <p:nvPr/>
       </p:nvGrpSpPr>
@@ -15972,7 +15972,7 @@
       </p:grpSpPr>
       <p:sp>
         <p:nvSpPr>
-          <p:cNvPr id="296" name="Google Shape;296;p52"/>
+          <p:cNvPr id="297" name="Google Shape;297;p52"/>
           <p:cNvSpPr txBox="1"/>
           <p:nvPr>
             <p:ph type="title"/>
@@ -16012,7 +16012,7 @@
       </p:sp>
       <p:sp>
         <p:nvSpPr>
-          <p:cNvPr id="297" name="Google Shape;297;p52"/>
+          <p:cNvPr id="298" name="Google Shape;298;p52"/>
           <p:cNvSpPr txBox="1"/>
           <p:nvPr>
             <p:ph idx="1" type="body"/>
@@ -16175,7 +16175,7 @@
   <p:cSld>
     <p:spTree>
       <p:nvGrpSpPr>
-        <p:cNvPr id="301" name="Shape 301"/>
+        <p:cNvPr id="302" name="Shape 302"/>
         <p:cNvGrpSpPr/>
         <p:nvPr/>
       </p:nvGrpSpPr>
@@ -16189,7 +16189,7 @@
       </p:grpSpPr>
       <p:sp>
         <p:nvSpPr>
-          <p:cNvPr id="302" name="Google Shape;302;p53"/>
+          <p:cNvPr id="303" name="Google Shape;303;p53"/>
           <p:cNvSpPr txBox="1"/>
           <p:nvPr>
             <p:ph type="ctrTitle"/>
@@ -16229,7 +16229,7 @@
       </p:sp>
       <p:sp>
         <p:nvSpPr>
-          <p:cNvPr id="303" name="Google Shape;303;p53"/>
+          <p:cNvPr id="304" name="Google Shape;304;p53"/>
           <p:cNvSpPr txBox="1"/>
           <p:nvPr>
             <p:ph idx="1" type="subTitle"/>
@@ -16279,7 +16279,7 @@
   <p:cSld>
     <p:spTree>
       <p:nvGrpSpPr>
-        <p:cNvPr id="307" name="Shape 307"/>
+        <p:cNvPr id="308" name="Shape 308"/>
         <p:cNvGrpSpPr/>
         <p:nvPr/>
       </p:nvGrpSpPr>
@@ -16293,7 +16293,7 @@
       </p:grpSpPr>
       <p:sp>
         <p:nvSpPr>
-          <p:cNvPr id="308" name="Google Shape;308;p54"/>
+          <p:cNvPr id="309" name="Google Shape;309;p54"/>
           <p:cNvSpPr txBox="1"/>
           <p:nvPr>
             <p:ph type="ctrTitle"/>
@@ -16333,7 +16333,7 @@
       </p:sp>
       <p:sp>
         <p:nvSpPr>
-          <p:cNvPr id="309" name="Google Shape;309;p54"/>
+          <p:cNvPr id="310" name="Google Shape;310;p54"/>
           <p:cNvSpPr txBox="1"/>
           <p:nvPr>
             <p:ph idx="1" type="subTitle"/>
@@ -16383,7 +16383,7 @@
   <p:cSld>
     <p:spTree>
       <p:nvGrpSpPr>
-        <p:cNvPr id="313" name="Shape 313"/>
+        <p:cNvPr id="314" name="Shape 314"/>
         <p:cNvGrpSpPr/>
         <p:nvPr/>
       </p:nvGrpSpPr>
@@ -16397,7 +16397,7 @@
       </p:grpSpPr>
       <p:sp>
         <p:nvSpPr>
-          <p:cNvPr id="314" name="Google Shape;314;p55"/>
+          <p:cNvPr id="315" name="Google Shape;315;p55"/>
           <p:cNvSpPr txBox="1"/>
           <p:nvPr>
             <p:ph type="ctrTitle"/>
@@ -16437,7 +16437,7 @@
       </p:sp>
       <p:sp>
         <p:nvSpPr>
-          <p:cNvPr id="315" name="Google Shape;315;p55"/>
+          <p:cNvPr id="316" name="Google Shape;316;p55"/>
           <p:cNvSpPr txBox="1"/>
           <p:nvPr>
             <p:ph idx="1" type="subTitle"/>
@@ -16487,7 +16487,7 @@
   <p:cSld>
     <p:spTree>
       <p:nvGrpSpPr>
-        <p:cNvPr id="319" name="Shape 319"/>
+        <p:cNvPr id="320" name="Shape 320"/>
         <p:cNvGrpSpPr/>
         <p:nvPr/>
       </p:nvGrpSpPr>
@@ -16501,7 +16501,7 @@
       </p:grpSpPr>
       <p:sp>
         <p:nvSpPr>
-          <p:cNvPr id="320" name="Google Shape;320;p56"/>
+          <p:cNvPr id="321" name="Google Shape;321;p56"/>
           <p:cNvSpPr txBox="1"/>
           <p:nvPr>
             <p:ph type="ctrTitle"/>
@@ -16541,7 +16541,7 @@
       </p:sp>
       <p:sp>
         <p:nvSpPr>
-          <p:cNvPr id="321" name="Google Shape;321;p56"/>
+          <p:cNvPr id="322" name="Google Shape;322;p56"/>
           <p:cNvSpPr txBox="1"/>
           <p:nvPr>
             <p:ph idx="1" type="subTitle"/>
@@ -16591,7 +16591,7 @@
   <p:cSld>
     <p:spTree>
       <p:nvGrpSpPr>
-        <p:cNvPr id="325" name="Shape 325"/>
+        <p:cNvPr id="326" name="Shape 326"/>
         <p:cNvGrpSpPr/>
         <p:nvPr/>
       </p:nvGrpSpPr>
@@ -16605,7 +16605,7 @@
       </p:grpSpPr>
       <p:pic>
         <p:nvPicPr>
-          <p:cNvPr id="326" name="Google Shape;326;p57" title="Points scored"/>
+          <p:cNvPr id="327" name="Google Shape;327;p57" title="Points scored"/>
           <p:cNvPicPr preferRelativeResize="0"/>
           <p:nvPr/>
         </p:nvPicPr>
@@ -16633,7 +16633,7 @@
       </p:pic>
       <p:sp>
         <p:nvSpPr>
-          <p:cNvPr id="327" name="Google Shape;327;p57"/>
+          <p:cNvPr id="328" name="Google Shape;328;p57"/>
           <p:cNvSpPr txBox="1"/>
           <p:nvPr/>
         </p:nvSpPr>
@@ -16702,7 +16702,7 @@
   <p:cSld>
     <p:spTree>
       <p:nvGrpSpPr>
-        <p:cNvPr id="331" name="Shape 331"/>
+        <p:cNvPr id="332" name="Shape 332"/>
         <p:cNvGrpSpPr/>
         <p:nvPr/>
       </p:nvGrpSpPr>
@@ -16716,7 +16716,7 @@
       </p:grpSpPr>
       <p:pic>
         <p:nvPicPr>
-          <p:cNvPr id="332" name="Google Shape;332;p58" title="Points scored"/>
+          <p:cNvPr id="333" name="Google Shape;333;p58" title="Points scored"/>
           <p:cNvPicPr preferRelativeResize="0"/>
           <p:nvPr/>
         </p:nvPicPr>
@@ -16744,7 +16744,7 @@
       </p:pic>
       <p:sp>
         <p:nvSpPr>
-          <p:cNvPr id="333" name="Google Shape;333;p58"/>
+          <p:cNvPr id="334" name="Google Shape;334;p58"/>
           <p:cNvSpPr txBox="1"/>
           <p:nvPr/>
         </p:nvSpPr>
@@ -16813,7 +16813,7 @@
   <p:cSld>
     <p:spTree>
       <p:nvGrpSpPr>
-        <p:cNvPr id="337" name="Shape 337"/>
+        <p:cNvPr id="338" name="Shape 338"/>
         <p:cNvGrpSpPr/>
         <p:nvPr/>
       </p:nvGrpSpPr>
@@ -16827,7 +16827,7 @@
       </p:grpSpPr>
       <p:sp>
         <p:nvSpPr>
-          <p:cNvPr id="338" name="Google Shape;338;p59"/>
+          <p:cNvPr id="339" name="Google Shape;339;p59"/>
           <p:cNvSpPr txBox="1"/>
           <p:nvPr/>
         </p:nvSpPr>
@@ -16885,7 +16885,7 @@
       </p:sp>
       <p:pic>
         <p:nvPicPr>
-          <p:cNvPr id="339" name="Google Shape;339;p59" title="Points scored"/>
+          <p:cNvPr id="340" name="Google Shape;340;p59" title="Points scored"/>
           <p:cNvPicPr preferRelativeResize="0"/>
           <p:nvPr/>
         </p:nvPicPr>
@@ -16924,7 +16924,7 @@
   <p:cSld>
     <p:spTree>
       <p:nvGrpSpPr>
-        <p:cNvPr id="343" name="Shape 343"/>
+        <p:cNvPr id="344" name="Shape 344"/>
         <p:cNvGrpSpPr/>
         <p:nvPr/>
       </p:nvGrpSpPr>
@@ -16938,7 +16938,7 @@
       </p:grpSpPr>
       <p:pic>
         <p:nvPicPr>
-          <p:cNvPr id="344" name="Google Shape;344;p60"/>
+          <p:cNvPr id="345" name="Google Shape;345;p60"/>
           <p:cNvPicPr preferRelativeResize="0"/>
           <p:nvPr/>
         </p:nvPicPr>
@@ -16965,7 +16965,7 @@
       </p:pic>
       <p:pic>
         <p:nvPicPr>
-          <p:cNvPr id="345" name="Google Shape;345;p60"/>
+          <p:cNvPr id="346" name="Google Shape;346;p60"/>
           <p:cNvPicPr preferRelativeResize="0"/>
           <p:nvPr/>
         </p:nvPicPr>
@@ -16992,7 +16992,7 @@
       </p:pic>
       <p:sp>
         <p:nvSpPr>
-          <p:cNvPr id="346" name="Google Shape;346;p60"/>
+          <p:cNvPr id="347" name="Google Shape;347;p60"/>
           <p:cNvSpPr txBox="1"/>
           <p:nvPr/>
         </p:nvSpPr>
@@ -17061,7 +17061,7 @@
   <p:cSld>
     <p:spTree>
       <p:nvGrpSpPr>
-        <p:cNvPr id="350" name="Shape 350"/>
+        <p:cNvPr id="351" name="Shape 351"/>
         <p:cNvGrpSpPr/>
         <p:nvPr/>
       </p:nvGrpSpPr>
@@ -17075,7 +17075,7 @@
       </p:grpSpPr>
       <p:sp>
         <p:nvSpPr>
-          <p:cNvPr id="351" name="Google Shape;351;p61"/>
+          <p:cNvPr id="352" name="Google Shape;352;p61"/>
           <p:cNvSpPr txBox="1"/>
           <p:nvPr/>
         </p:nvSpPr>
@@ -17133,7 +17133,7 @@
       </p:sp>
       <p:pic>
         <p:nvPicPr>
-          <p:cNvPr id="352" name="Google Shape;352;p61" title="Points scored"/>
+          <p:cNvPr id="353" name="Google Shape;353;p61" title="Points scored"/>
           <p:cNvPicPr preferRelativeResize="0"/>
           <p:nvPr/>
         </p:nvPicPr>
@@ -17161,7 +17161,7 @@
       </p:pic>
       <p:pic>
         <p:nvPicPr>
-          <p:cNvPr id="353" name="Google Shape;353;p61" title="Points scored"/>
+          <p:cNvPr id="354" name="Google Shape;354;p61" title="Points scored"/>
           <p:cNvPicPr preferRelativeResize="0"/>
           <p:nvPr/>
         </p:nvPicPr>
@@ -17196,7 +17196,7 @@
 </file>
 
 <file path=ppt/slides/slide5.xml><?xml version="1.0" encoding="utf-8"?>
-<p:sld xmlns:a="http://schemas.openxmlformats.org/drawingml/2006/main" xmlns:r="http://schemas.openxmlformats.org/officeDocument/2006/relationships" xmlns:mc="http://schemas.openxmlformats.org/markup-compatibility/2006" xmlns:mv="urn:schemas-microsoft-com:mac:vml" xmlns:p="http://schemas.openxmlformats.org/presentationml/2006/main" xmlns:c="http://schemas.openxmlformats.org/drawingml/2006/chart" xmlns:dgm="http://schemas.openxmlformats.org/drawingml/2006/diagram" xmlns:o="urn:schemas-microsoft-com:office:office" xmlns:v="urn:schemas-microsoft-com:vml" xmlns:pvml="urn:schemas-microsoft-com:office:powerpoint" xmlns:com="http://schemas.openxmlformats.org/drawingml/2006/compatibility" xmlns:p14="http://schemas.microsoft.com/office/powerpoint/2010/main" xmlns:p15="http://schemas.microsoft.com/office/powerpoint/2012/main" xmlns:ahyp="http://schemas.microsoft.com/office/drawing/2018/hyperlinkcolor">
+<p:sld xmlns:a="http://schemas.openxmlformats.org/drawingml/2006/main" xmlns:r="http://schemas.openxmlformats.org/officeDocument/2006/relationships" xmlns:mc="http://schemas.openxmlformats.org/markup-compatibility/2006" xmlns:mv="urn:schemas-microsoft-com:mac:vml" xmlns:p="http://schemas.openxmlformats.org/presentationml/2006/main" xmlns:c="http://schemas.openxmlformats.org/drawingml/2006/chart" xmlns:dgm="http://schemas.openxmlformats.org/drawingml/2006/diagram" xmlns:o="urn:schemas-microsoft-com:office:office" xmlns:v="urn:schemas-microsoft-com:vml" xmlns:pvml="urn:schemas-microsoft-com:office:powerpoint" xmlns:com="http://schemas.openxmlformats.org/drawingml/2006/compatibility" xmlns:p14="http://schemas.microsoft.com/office/powerpoint/2010/main" xmlns:p15="http://schemas.microsoft.com/office/powerpoint/2012/main" xmlns:ahyp="http://schemas.microsoft.com/office/drawing/2018/hyperlinkcolor" show="0">
   <p:cSld>
     <p:spTree>
       <p:nvGrpSpPr>
@@ -17252,7 +17252,7 @@
   <p:cSld>
     <p:spTree>
       <p:nvGrpSpPr>
-        <p:cNvPr id="357" name="Shape 357"/>
+        <p:cNvPr id="358" name="Shape 358"/>
         <p:cNvGrpSpPr/>
         <p:nvPr/>
       </p:nvGrpSpPr>
@@ -17266,7 +17266,7 @@
       </p:grpSpPr>
       <p:sp>
         <p:nvSpPr>
-          <p:cNvPr id="358" name="Google Shape;358;p62"/>
+          <p:cNvPr id="359" name="Google Shape;359;p62"/>
           <p:cNvSpPr txBox="1"/>
           <p:nvPr/>
         </p:nvSpPr>
@@ -17324,7 +17324,7 @@
       </p:sp>
       <p:pic>
         <p:nvPicPr>
-          <p:cNvPr id="359" name="Google Shape;359;p62" title="Sales Volume"/>
+          <p:cNvPr id="360" name="Google Shape;360;p62" title="Sales Volume"/>
           <p:cNvPicPr preferRelativeResize="0"/>
           <p:nvPr/>
         </p:nvPicPr>
@@ -17363,7 +17363,7 @@
   <p:cSld>
     <p:spTree>
       <p:nvGrpSpPr>
-        <p:cNvPr id="363" name="Shape 363"/>
+        <p:cNvPr id="364" name="Shape 364"/>
         <p:cNvGrpSpPr/>
         <p:nvPr/>
       </p:nvGrpSpPr>
@@ -17377,7 +17377,7 @@
       </p:grpSpPr>
       <p:sp>
         <p:nvSpPr>
-          <p:cNvPr id="364" name="Google Shape;364;p63"/>
+          <p:cNvPr id="365" name="Google Shape;365;p63"/>
           <p:cNvSpPr txBox="1"/>
           <p:nvPr>
             <p:ph type="title"/>
@@ -17417,7 +17417,7 @@
       </p:sp>
       <p:sp>
         <p:nvSpPr>
-          <p:cNvPr id="365" name="Google Shape;365;p63"/>
+          <p:cNvPr id="366" name="Google Shape;366;p63"/>
           <p:cNvSpPr txBox="1"/>
           <p:nvPr>
             <p:ph idx="1" type="body"/>
@@ -17595,7 +17595,7 @@
   <p:cSld>
     <p:spTree>
       <p:nvGrpSpPr>
-        <p:cNvPr id="369" name="Shape 369"/>
+        <p:cNvPr id="370" name="Shape 370"/>
         <p:cNvGrpSpPr/>
         <p:nvPr/>
       </p:nvGrpSpPr>
@@ -17609,7 +17609,7 @@
       </p:grpSpPr>
       <p:sp>
         <p:nvSpPr>
-          <p:cNvPr id="370" name="Google Shape;370;p64"/>
+          <p:cNvPr id="371" name="Google Shape;371;p64"/>
           <p:cNvSpPr txBox="1"/>
           <p:nvPr>
             <p:ph type="ctrTitle"/>
@@ -17824,6 +17824,33 @@
           </a:p>
         </p:txBody>
       </p:sp>
+      <p:pic>
+        <p:nvPicPr>
+          <p:cNvPr id="90" name="Google Shape;90;p18"/>
+          <p:cNvPicPr preferRelativeResize="0"/>
+          <p:nvPr/>
+        </p:nvPicPr>
+        <p:blipFill rotWithShape="1">
+          <a:blip r:embed="rId3">
+            <a:alphaModFix/>
+          </a:blip>
+          <a:srcRect b="55088" l="0" r="17225" t="7372"/>
+          <a:stretch/>
+        </p:blipFill>
+        <p:spPr>
+          <a:xfrm>
+            <a:off x="1100638" y="3128150"/>
+            <a:ext cx="6942725" cy="1967850"/>
+          </a:xfrm>
+          <a:prstGeom prst="rect">
+            <a:avLst/>
+          </a:prstGeom>
+          <a:noFill/>
+          <a:ln>
+            <a:noFill/>
+          </a:ln>
+        </p:spPr>
+      </p:pic>
     </p:spTree>
   </p:cSld>
   <p:clrMapOvr>
@@ -17837,7 +17864,7 @@
   <p:cSld>
     <p:spTree>
       <p:nvGrpSpPr>
-        <p:cNvPr id="93" name="Shape 93"/>
+        <p:cNvPr id="94" name="Shape 94"/>
         <p:cNvGrpSpPr/>
         <p:nvPr/>
       </p:nvGrpSpPr>
@@ -17851,7 +17878,7 @@
       </p:grpSpPr>
       <p:sp>
         <p:nvSpPr>
-          <p:cNvPr id="94" name="Google Shape;94;p19"/>
+          <p:cNvPr id="95" name="Google Shape;95;p19"/>
           <p:cNvSpPr txBox="1"/>
           <p:nvPr>
             <p:ph type="ctrTitle"/>
@@ -17891,7 +17918,7 @@
       </p:sp>
       <p:sp>
         <p:nvSpPr>
-          <p:cNvPr id="95" name="Google Shape;95;p19"/>
+          <p:cNvPr id="96" name="Google Shape;96;p19"/>
           <p:cNvSpPr txBox="1"/>
           <p:nvPr>
             <p:ph idx="1" type="subTitle"/>
@@ -17941,7 +17968,7 @@
   <p:cSld>
     <p:spTree>
       <p:nvGrpSpPr>
-        <p:cNvPr id="99" name="Shape 99"/>
+        <p:cNvPr id="100" name="Shape 100"/>
         <p:cNvGrpSpPr/>
         <p:nvPr/>
       </p:nvGrpSpPr>
@@ -17955,7 +17982,7 @@
       </p:grpSpPr>
       <p:sp>
         <p:nvSpPr>
-          <p:cNvPr id="100" name="Google Shape;100;p20"/>
+          <p:cNvPr id="101" name="Google Shape;101;p20"/>
           <p:cNvSpPr txBox="1"/>
           <p:nvPr>
             <p:ph type="title"/>
@@ -17995,7 +18022,7 @@
       </p:sp>
       <p:sp>
         <p:nvSpPr>
-          <p:cNvPr id="101" name="Google Shape;101;p20"/>
+          <p:cNvPr id="102" name="Google Shape;102;p20"/>
           <p:cNvSpPr txBox="1"/>
           <p:nvPr>
             <p:ph idx="1" type="body"/>
@@ -18030,7 +18057,11 @@
             </a:pPr>
             <a:r>
               <a:rPr lang="en-GB"/>
-              <a:t>Saúl’s intentions for this visualisation is to answer the following questions:</a:t>
+              <a:t>Author’s</a:t>
+            </a:r>
+            <a:r>
+              <a:rPr lang="en-GB"/>
+              <a:t> intentions for this visualisation is to answer the following questions:</a:t>
             </a:r>
             <a:endParaRPr/>
           </a:p>
@@ -18129,7 +18160,7 @@
   <p:cSld>
     <p:spTree>
       <p:nvGrpSpPr>
-        <p:cNvPr id="105" name="Shape 105"/>
+        <p:cNvPr id="106" name="Shape 106"/>
         <p:cNvGrpSpPr/>
         <p:nvPr/>
       </p:nvGrpSpPr>
@@ -18143,7 +18174,7 @@
       </p:grpSpPr>
       <p:sp>
         <p:nvSpPr>
-          <p:cNvPr id="106" name="Google Shape;106;p21"/>
+          <p:cNvPr id="107" name="Google Shape;107;p21"/>
           <p:cNvSpPr txBox="1"/>
           <p:nvPr>
             <p:ph type="ctrTitle"/>
@@ -18183,7 +18214,7 @@
       </p:sp>
       <p:sp>
         <p:nvSpPr>
-          <p:cNvPr id="107" name="Google Shape;107;p21"/>
+          <p:cNvPr id="108" name="Google Shape;108;p21"/>
           <p:cNvSpPr txBox="1"/>
           <p:nvPr>
             <p:ph idx="1" type="subTitle"/>
@@ -18229,6 +18260,285 @@
 </file>
 
 <file path=ppt/theme/theme1.xml><?xml version="1.0" encoding="utf-8"?>
+<a:theme xmlns:a="http://schemas.openxmlformats.org/drawingml/2006/main" xmlns:r="http://schemas.openxmlformats.org/officeDocument/2006/relationships">
+  <a:themeElements>
+    <a:clrScheme name="Default">
+      <a:dk1>
+        <a:srgbClr val="000000"/>
+      </a:dk1>
+      <a:lt1>
+        <a:srgbClr val="FFFFFF"/>
+      </a:lt1>
+      <a:dk2>
+        <a:srgbClr val="158158"/>
+      </a:dk2>
+      <a:lt2>
+        <a:srgbClr val="F3F3F3"/>
+      </a:lt2>
+      <a:accent1>
+        <a:srgbClr val="058DC7"/>
+      </a:accent1>
+      <a:accent2>
+        <a:srgbClr val="50B432"/>
+      </a:accent2>
+      <a:accent3>
+        <a:srgbClr val="ED561B"/>
+      </a:accent3>
+      <a:accent4>
+        <a:srgbClr val="EDEF00"/>
+      </a:accent4>
+      <a:accent5>
+        <a:srgbClr val="24CBE5"/>
+      </a:accent5>
+      <a:accent6>
+        <a:srgbClr val="64E572"/>
+      </a:accent6>
+      <a:hlink>
+        <a:srgbClr val="2200CC"/>
+      </a:hlink>
+      <a:folHlink>
+        <a:srgbClr val="551A8B"/>
+      </a:folHlink>
+    </a:clrScheme>
+    <a:fontScheme name="Office">
+      <a:majorFont>
+        <a:latin typeface="Arial"/>
+        <a:ea typeface=""/>
+        <a:cs typeface=""/>
+        <a:font script="Jpan" typeface="ＭＳ Ｐゴシック"/>
+        <a:font script="Hang" typeface="맑은 고딕"/>
+        <a:font script="Hans" typeface="宋体"/>
+        <a:font script="Hant" typeface="新細明體"/>
+        <a:font script="Arab" typeface="Times New Roman"/>
+        <a:font script="Hebr" typeface="Times New Roman"/>
+        <a:font script="Thai" typeface="Angsana New"/>
+        <a:font script="Ethi" typeface="Nyala"/>
+        <a:font script="Beng" typeface="Vrinda"/>
+        <a:font script="Gujr" typeface="Shruti"/>
+        <a:font script="Khmr" typeface="MoolBoran"/>
+        <a:font script="Knda" typeface="Tunga"/>
+        <a:font script="Guru" typeface="Raavi"/>
+        <a:font script="Cans" typeface="Euphemia"/>
+        <a:font script="Cher" typeface="Plantagenet Cherokee"/>
+        <a:font script="Yiii" typeface="Microsoft Yi Baiti"/>
+        <a:font script="Tibt" typeface="Microsoft Himalaya"/>
+        <a:font script="Thaa" typeface="MV Boli"/>
+        <a:font script="Deva" typeface="Mangal"/>
+        <a:font script="Telu" typeface="Gautami"/>
+        <a:font script="Taml" typeface="Latha"/>
+        <a:font script="Syrc" typeface="Estrangelo Edessa"/>
+        <a:font script="Orya" typeface="Kalinga"/>
+        <a:font script="Mlym" typeface="Kartika"/>
+        <a:font script="Laoo" typeface="DokChampa"/>
+        <a:font script="Sinh" typeface="Iskoola Pota"/>
+        <a:font script="Mong" typeface="Mongolian Baiti"/>
+        <a:font script="Viet" typeface="Times New Roman"/>
+        <a:font script="Uigh" typeface="Microsoft Uighur"/>
+        <a:font script="Geor" typeface="Sylfaen"/>
+      </a:majorFont>
+      <a:minorFont>
+        <a:latin typeface="Arial"/>
+        <a:ea typeface=""/>
+        <a:cs typeface=""/>
+        <a:font script="Jpan" typeface="ＭＳ Ｐゴシック"/>
+        <a:font script="Hang" typeface="맑은 고딕"/>
+        <a:font script="Hans" typeface="宋体"/>
+        <a:font script="Hant" typeface="新細明體"/>
+        <a:font script="Arab" typeface="Arial"/>
+        <a:font script="Hebr" typeface="Arial"/>
+        <a:font script="Thai" typeface="Cordia New"/>
+        <a:font script="Ethi" typeface="Nyala"/>
+        <a:font script="Beng" typeface="Vrinda"/>
+        <a:font script="Gujr" typeface="Shruti"/>
+        <a:font script="Khmr" typeface="DaunPenh"/>
+        <a:font script="Knda" typeface="Tunga"/>
+        <a:font script="Guru" typeface="Raavi"/>
+        <a:font script="Cans" typeface="Euphemia"/>
+        <a:font script="Cher" typeface="Plantagenet Cherokee"/>
+        <a:font script="Yiii" typeface="Microsoft Yi Baiti"/>
+        <a:font script="Tibt" typeface="Microsoft Himalaya"/>
+        <a:font script="Thaa" typeface="MV Boli"/>
+        <a:font script="Deva" typeface="Mangal"/>
+        <a:font script="Telu" typeface="Gautami"/>
+        <a:font script="Taml" typeface="Latha"/>
+        <a:font script="Syrc" typeface="Estrangelo Edessa"/>
+        <a:font script="Orya" typeface="Kalinga"/>
+        <a:font script="Mlym" typeface="Kartika"/>
+        <a:font script="Laoo" typeface="DokChampa"/>
+        <a:font script="Sinh" typeface="Iskoola Pota"/>
+        <a:font script="Mong" typeface="Mongolian Baiti"/>
+        <a:font script="Viet" typeface="Arial"/>
+        <a:font script="Uigh" typeface="Microsoft Uighur"/>
+        <a:font script="Geor" typeface="Sylfaen"/>
+      </a:minorFont>
+    </a:fontScheme>
+    <a:fmtScheme name="Office">
+      <a:fillStyleLst>
+        <a:solidFill>
+          <a:schemeClr val="phClr"/>
+        </a:solidFill>
+        <a:gradFill rotWithShape="1">
+          <a:gsLst>
+            <a:gs pos="0">
+              <a:schemeClr val="phClr">
+                <a:tint val="50000"/>
+                <a:satMod val="300000"/>
+              </a:schemeClr>
+            </a:gs>
+            <a:gs pos="35000">
+              <a:schemeClr val="phClr">
+                <a:tint val="37000"/>
+                <a:satMod val="300000"/>
+              </a:schemeClr>
+            </a:gs>
+            <a:gs pos="100000">
+              <a:schemeClr val="phClr">
+                <a:tint val="15000"/>
+                <a:satMod val="350000"/>
+              </a:schemeClr>
+            </a:gs>
+          </a:gsLst>
+          <a:lin ang="16200000" scaled="1"/>
+        </a:gradFill>
+        <a:gradFill rotWithShape="1">
+          <a:gsLst>
+            <a:gs pos="0">
+              <a:schemeClr val="phClr">
+                <a:tint val="100000"/>
+                <a:shade val="100000"/>
+                <a:satMod val="130000"/>
+              </a:schemeClr>
+            </a:gs>
+            <a:gs pos="100000">
+              <a:schemeClr val="phClr">
+                <a:tint val="50000"/>
+                <a:shade val="100000"/>
+                <a:satMod val="350000"/>
+              </a:schemeClr>
+            </a:gs>
+          </a:gsLst>
+          <a:lin ang="16200000" scaled="0"/>
+        </a:gradFill>
+      </a:fillStyleLst>
+      <a:lnStyleLst>
+        <a:ln w="9525" cap="flat" cmpd="sng" algn="ctr">
+          <a:solidFill>
+            <a:schemeClr val="phClr">
+              <a:shade val="95000"/>
+              <a:satMod val="105000"/>
+            </a:schemeClr>
+          </a:solidFill>
+          <a:prstDash val="solid"/>
+        </a:ln>
+        <a:ln w="25400" cap="flat" cmpd="sng" algn="ctr">
+          <a:solidFill>
+            <a:schemeClr val="phClr"/>
+          </a:solidFill>
+          <a:prstDash val="solid"/>
+        </a:ln>
+        <a:ln w="38100" cap="flat" cmpd="sng" algn="ctr">
+          <a:solidFill>
+            <a:schemeClr val="phClr"/>
+          </a:solidFill>
+          <a:prstDash val="solid"/>
+        </a:ln>
+      </a:lnStyleLst>
+      <a:effectStyleLst>
+        <a:effectStyle>
+          <a:effectLst>
+            <a:outerShdw blurRad="40000" dist="20000" dir="5400000" rotWithShape="0">
+              <a:srgbClr val="000000">
+                <a:alpha val="38000"/>
+              </a:srgbClr>
+            </a:outerShdw>
+          </a:effectLst>
+        </a:effectStyle>
+        <a:effectStyle>
+          <a:effectLst>
+            <a:outerShdw blurRad="40000" dist="23000" dir="5400000" rotWithShape="0">
+              <a:srgbClr val="000000">
+                <a:alpha val="35000"/>
+              </a:srgbClr>
+            </a:outerShdw>
+          </a:effectLst>
+        </a:effectStyle>
+        <a:effectStyle>
+          <a:effectLst>
+            <a:outerShdw blurRad="40000" dist="23000" dir="5400000" rotWithShape="0">
+              <a:srgbClr val="000000">
+                <a:alpha val="35000"/>
+              </a:srgbClr>
+            </a:outerShdw>
+          </a:effectLst>
+          <a:scene3d>
+            <a:camera prst="orthographicFront">
+              <a:rot lat="0" lon="0" rev="0"/>
+            </a:camera>
+            <a:lightRig rig="threePt" dir="t">
+              <a:rot lat="0" lon="0" rev="1200000"/>
+            </a:lightRig>
+          </a:scene3d>
+          <a:sp3d>
+            <a:bevelT w="63500" h="25400"/>
+          </a:sp3d>
+        </a:effectStyle>
+      </a:effectStyleLst>
+      <a:bgFillStyleLst>
+        <a:solidFill>
+          <a:schemeClr val="phClr"/>
+        </a:solidFill>
+        <a:gradFill rotWithShape="1">
+          <a:gsLst>
+            <a:gs pos="0">
+              <a:schemeClr val="phClr">
+                <a:tint val="40000"/>
+                <a:satMod val="350000"/>
+              </a:schemeClr>
+            </a:gs>
+            <a:gs pos="40000">
+              <a:schemeClr val="phClr">
+                <a:tint val="45000"/>
+                <a:shade val="99000"/>
+                <a:satMod val="350000"/>
+              </a:schemeClr>
+            </a:gs>
+            <a:gs pos="100000">
+              <a:schemeClr val="phClr">
+                <a:shade val="20000"/>
+                <a:satMod val="255000"/>
+              </a:schemeClr>
+            </a:gs>
+          </a:gsLst>
+          <a:path path="circle">
+            <a:fillToRect l="50000" t="-80000" r="50000" b="180000"/>
+          </a:path>
+        </a:gradFill>
+        <a:gradFill rotWithShape="1">
+          <a:gsLst>
+            <a:gs pos="0">
+              <a:schemeClr val="phClr">
+                <a:tint val="80000"/>
+                <a:satMod val="300000"/>
+              </a:schemeClr>
+            </a:gs>
+            <a:gs pos="100000">
+              <a:schemeClr val="phClr">
+                <a:shade val="30000"/>
+                <a:satMod val="200000"/>
+              </a:schemeClr>
+            </a:gs>
+          </a:gsLst>
+          <a:path path="circle">
+            <a:fillToRect l="50000" t="50000" r="50000" b="50000"/>
+          </a:path>
+        </a:gradFill>
+      </a:bgFillStyleLst>
+    </a:fmtScheme>
+  </a:themeElements>
+</a:theme>
+</file>
+
+<file path=ppt/theme/theme2.xml><?xml version="1.0" encoding="utf-8"?>
 <a:theme xmlns:a="http://schemas.openxmlformats.org/drawingml/2006/main" xmlns:r="http://schemas.openxmlformats.org/officeDocument/2006/relationships" name="Slate">
   <a:themeElements>
     <a:clrScheme name="Slate">
@@ -18505,283 +18815,4 @@
     </a:fmtScheme>
   </a:themeElements>
 </a:theme>
-</file>
-
-<file path=ppt/theme/theme2.xml><?xml version="1.0" encoding="utf-8"?>
-<a:theme xmlns:a="http://schemas.openxmlformats.org/drawingml/2006/main" xmlns:r="http://schemas.openxmlformats.org/officeDocument/2006/relationships">
-  <a:themeElements>
-    <a:clrScheme name="Default">
-      <a:dk1>
-        <a:srgbClr val="000000"/>
-      </a:dk1>
-      <a:lt1>
-        <a:srgbClr val="FFFFFF"/>
-      </a:lt1>
-      <a:dk2>
-        <a:srgbClr val="158158"/>
-      </a:dk2>
-      <a:lt2>
-        <a:srgbClr val="F3F3F3"/>
-      </a:lt2>
-      <a:accent1>
-        <a:srgbClr val="058DC7"/>
-      </a:accent1>
-      <a:accent2>
-        <a:srgbClr val="50B432"/>
-      </a:accent2>
-      <a:accent3>
-        <a:srgbClr val="ED561B"/>
-      </a:accent3>
-      <a:accent4>
-        <a:srgbClr val="EDEF00"/>
-      </a:accent4>
-      <a:accent5>
-        <a:srgbClr val="24CBE5"/>
-      </a:accent5>
-      <a:accent6>
-        <a:srgbClr val="64E572"/>
-      </a:accent6>
-      <a:hlink>
-        <a:srgbClr val="2200CC"/>
-      </a:hlink>
-      <a:folHlink>
-        <a:srgbClr val="551A8B"/>
-      </a:folHlink>
-    </a:clrScheme>
-    <a:fontScheme name="Office">
-      <a:majorFont>
-        <a:latin typeface="Arial"/>
-        <a:ea typeface=""/>
-        <a:cs typeface=""/>
-        <a:font script="Jpan" typeface="ＭＳ Ｐゴシック"/>
-        <a:font script="Hang" typeface="맑은 고딕"/>
-        <a:font script="Hans" typeface="宋体"/>
-        <a:font script="Hant" typeface="新細明體"/>
-        <a:font script="Arab" typeface="Times New Roman"/>
-        <a:font script="Hebr" typeface="Times New Roman"/>
-        <a:font script="Thai" typeface="Angsana New"/>
-        <a:font script="Ethi" typeface="Nyala"/>
-        <a:font script="Beng" typeface="Vrinda"/>
-        <a:font script="Gujr" typeface="Shruti"/>
-        <a:font script="Khmr" typeface="MoolBoran"/>
-        <a:font script="Knda" typeface="Tunga"/>
-        <a:font script="Guru" typeface="Raavi"/>
-        <a:font script="Cans" typeface="Euphemia"/>
-        <a:font script="Cher" typeface="Plantagenet Cherokee"/>
-        <a:font script="Yiii" typeface="Microsoft Yi Baiti"/>
-        <a:font script="Tibt" typeface="Microsoft Himalaya"/>
-        <a:font script="Thaa" typeface="MV Boli"/>
-        <a:font script="Deva" typeface="Mangal"/>
-        <a:font script="Telu" typeface="Gautami"/>
-        <a:font script="Taml" typeface="Latha"/>
-        <a:font script="Syrc" typeface="Estrangelo Edessa"/>
-        <a:font script="Orya" typeface="Kalinga"/>
-        <a:font script="Mlym" typeface="Kartika"/>
-        <a:font script="Laoo" typeface="DokChampa"/>
-        <a:font script="Sinh" typeface="Iskoola Pota"/>
-        <a:font script="Mong" typeface="Mongolian Baiti"/>
-        <a:font script="Viet" typeface="Times New Roman"/>
-        <a:font script="Uigh" typeface="Microsoft Uighur"/>
-        <a:font script="Geor" typeface="Sylfaen"/>
-      </a:majorFont>
-      <a:minorFont>
-        <a:latin typeface="Arial"/>
-        <a:ea typeface=""/>
-        <a:cs typeface=""/>
-        <a:font script="Jpan" typeface="ＭＳ Ｐゴシック"/>
-        <a:font script="Hang" typeface="맑은 고딕"/>
-        <a:font script="Hans" typeface="宋体"/>
-        <a:font script="Hant" typeface="新細明體"/>
-        <a:font script="Arab" typeface="Arial"/>
-        <a:font script="Hebr" typeface="Arial"/>
-        <a:font script="Thai" typeface="Cordia New"/>
-        <a:font script="Ethi" typeface="Nyala"/>
-        <a:font script="Beng" typeface="Vrinda"/>
-        <a:font script="Gujr" typeface="Shruti"/>
-        <a:font script="Khmr" typeface="DaunPenh"/>
-        <a:font script="Knda" typeface="Tunga"/>
-        <a:font script="Guru" typeface="Raavi"/>
-        <a:font script="Cans" typeface="Euphemia"/>
-        <a:font script="Cher" typeface="Plantagenet Cherokee"/>
-        <a:font script="Yiii" typeface="Microsoft Yi Baiti"/>
-        <a:font script="Tibt" typeface="Microsoft Himalaya"/>
-        <a:font script="Thaa" typeface="MV Boli"/>
-        <a:font script="Deva" typeface="Mangal"/>
-        <a:font script="Telu" typeface="Gautami"/>
-        <a:font script="Taml" typeface="Latha"/>
-        <a:font script="Syrc" typeface="Estrangelo Edessa"/>
-        <a:font script="Orya" typeface="Kalinga"/>
-        <a:font script="Mlym" typeface="Kartika"/>
-        <a:font script="Laoo" typeface="DokChampa"/>
-        <a:font script="Sinh" typeface="Iskoola Pota"/>
-        <a:font script="Mong" typeface="Mongolian Baiti"/>
-        <a:font script="Viet" typeface="Arial"/>
-        <a:font script="Uigh" typeface="Microsoft Uighur"/>
-        <a:font script="Geor" typeface="Sylfaen"/>
-      </a:minorFont>
-    </a:fontScheme>
-    <a:fmtScheme name="Office">
-      <a:fillStyleLst>
-        <a:solidFill>
-          <a:schemeClr val="phClr"/>
-        </a:solidFill>
-        <a:gradFill rotWithShape="1">
-          <a:gsLst>
-            <a:gs pos="0">
-              <a:schemeClr val="phClr">
-                <a:tint val="50000"/>
-                <a:satMod val="300000"/>
-              </a:schemeClr>
-            </a:gs>
-            <a:gs pos="35000">
-              <a:schemeClr val="phClr">
-                <a:tint val="37000"/>
-                <a:satMod val="300000"/>
-              </a:schemeClr>
-            </a:gs>
-            <a:gs pos="100000">
-              <a:schemeClr val="phClr">
-                <a:tint val="15000"/>
-                <a:satMod val="350000"/>
-              </a:schemeClr>
-            </a:gs>
-          </a:gsLst>
-          <a:lin ang="16200000" scaled="1"/>
-        </a:gradFill>
-        <a:gradFill rotWithShape="1">
-          <a:gsLst>
-            <a:gs pos="0">
-              <a:schemeClr val="phClr">
-                <a:tint val="100000"/>
-                <a:shade val="100000"/>
-                <a:satMod val="130000"/>
-              </a:schemeClr>
-            </a:gs>
-            <a:gs pos="100000">
-              <a:schemeClr val="phClr">
-                <a:tint val="50000"/>
-                <a:shade val="100000"/>
-                <a:satMod val="350000"/>
-              </a:schemeClr>
-            </a:gs>
-          </a:gsLst>
-          <a:lin ang="16200000" scaled="0"/>
-        </a:gradFill>
-      </a:fillStyleLst>
-      <a:lnStyleLst>
-        <a:ln w="9525" cap="flat" cmpd="sng" algn="ctr">
-          <a:solidFill>
-            <a:schemeClr val="phClr">
-              <a:shade val="95000"/>
-              <a:satMod val="105000"/>
-            </a:schemeClr>
-          </a:solidFill>
-          <a:prstDash val="solid"/>
-        </a:ln>
-        <a:ln w="25400" cap="flat" cmpd="sng" algn="ctr">
-          <a:solidFill>
-            <a:schemeClr val="phClr"/>
-          </a:solidFill>
-          <a:prstDash val="solid"/>
-        </a:ln>
-        <a:ln w="38100" cap="flat" cmpd="sng" algn="ctr">
-          <a:solidFill>
-            <a:schemeClr val="phClr"/>
-          </a:solidFill>
-          <a:prstDash val="solid"/>
-        </a:ln>
-      </a:lnStyleLst>
-      <a:effectStyleLst>
-        <a:effectStyle>
-          <a:effectLst>
-            <a:outerShdw blurRad="40000" dist="20000" dir="5400000" rotWithShape="0">
-              <a:srgbClr val="000000">
-                <a:alpha val="38000"/>
-              </a:srgbClr>
-            </a:outerShdw>
-          </a:effectLst>
-        </a:effectStyle>
-        <a:effectStyle>
-          <a:effectLst>
-            <a:outerShdw blurRad="40000" dist="23000" dir="5400000" rotWithShape="0">
-              <a:srgbClr val="000000">
-                <a:alpha val="35000"/>
-              </a:srgbClr>
-            </a:outerShdw>
-          </a:effectLst>
-        </a:effectStyle>
-        <a:effectStyle>
-          <a:effectLst>
-            <a:outerShdw blurRad="40000" dist="23000" dir="5400000" rotWithShape="0">
-              <a:srgbClr val="000000">
-                <a:alpha val="35000"/>
-              </a:srgbClr>
-            </a:outerShdw>
-          </a:effectLst>
-          <a:scene3d>
-            <a:camera prst="orthographicFront">
-              <a:rot lat="0" lon="0" rev="0"/>
-            </a:camera>
-            <a:lightRig rig="threePt" dir="t">
-              <a:rot lat="0" lon="0" rev="1200000"/>
-            </a:lightRig>
-          </a:scene3d>
-          <a:sp3d>
-            <a:bevelT w="63500" h="25400"/>
-          </a:sp3d>
-        </a:effectStyle>
-      </a:effectStyleLst>
-      <a:bgFillStyleLst>
-        <a:solidFill>
-          <a:schemeClr val="phClr"/>
-        </a:solidFill>
-        <a:gradFill rotWithShape="1">
-          <a:gsLst>
-            <a:gs pos="0">
-              <a:schemeClr val="phClr">
-                <a:tint val="40000"/>
-                <a:satMod val="350000"/>
-              </a:schemeClr>
-            </a:gs>
-            <a:gs pos="40000">
-              <a:schemeClr val="phClr">
-                <a:tint val="45000"/>
-                <a:shade val="99000"/>
-                <a:satMod val="350000"/>
-              </a:schemeClr>
-            </a:gs>
-            <a:gs pos="100000">
-              <a:schemeClr val="phClr">
-                <a:shade val="20000"/>
-                <a:satMod val="255000"/>
-              </a:schemeClr>
-            </a:gs>
-          </a:gsLst>
-          <a:path path="circle">
-            <a:fillToRect l="50000" t="-80000" r="50000" b="180000"/>
-          </a:path>
-        </a:gradFill>
-        <a:gradFill rotWithShape="1">
-          <a:gsLst>
-            <a:gs pos="0">
-              <a:schemeClr val="phClr">
-                <a:tint val="80000"/>
-                <a:satMod val="300000"/>
-              </a:schemeClr>
-            </a:gs>
-            <a:gs pos="100000">
-              <a:schemeClr val="phClr">
-                <a:shade val="30000"/>
-                <a:satMod val="200000"/>
-              </a:schemeClr>
-            </a:gs>
-          </a:gsLst>
-          <a:path path="circle">
-            <a:fillToRect l="50000" t="50000" r="50000" b="50000"/>
-          </a:path>
-        </a:gradFill>
-      </a:bgFillStyleLst>
-    </a:fmtScheme>
-  </a:themeElements>
-</a:theme>
 </file>